--- a/slides/SL.pptx
+++ b/slides/SL.pptx
@@ -5,10 +5,10 @@
     <p:sldMasterId id="2147483672" r:id="rId1"/>
   </p:sldMasterIdLst>
   <p:notesMasterIdLst>
-    <p:notesMasterId r:id="rId43"/>
+    <p:notesMasterId r:id="rId45"/>
   </p:notesMasterIdLst>
   <p:handoutMasterIdLst>
-    <p:handoutMasterId r:id="rId44"/>
+    <p:handoutMasterId r:id="rId46"/>
   </p:handoutMasterIdLst>
   <p:sldIdLst>
     <p:sldId id="265" r:id="rId2"/>
@@ -34,24 +34,26 @@
     <p:sldId id="1750" r:id="rId22"/>
     <p:sldId id="1753" r:id="rId23"/>
     <p:sldId id="1755" r:id="rId24"/>
-    <p:sldId id="1760" r:id="rId25"/>
-    <p:sldId id="1759" r:id="rId26"/>
-    <p:sldId id="1765" r:id="rId27"/>
-    <p:sldId id="1766" r:id="rId28"/>
-    <p:sldId id="1767" r:id="rId29"/>
-    <p:sldId id="1768" r:id="rId30"/>
-    <p:sldId id="1769" r:id="rId31"/>
-    <p:sldId id="1770" r:id="rId32"/>
-    <p:sldId id="1762" r:id="rId33"/>
-    <p:sldId id="1764" r:id="rId34"/>
-    <p:sldId id="1771" r:id="rId35"/>
-    <p:sldId id="1754" r:id="rId36"/>
-    <p:sldId id="1772" r:id="rId37"/>
-    <p:sldId id="1778" r:id="rId38"/>
-    <p:sldId id="1776" r:id="rId39"/>
-    <p:sldId id="1775" r:id="rId40"/>
-    <p:sldId id="1777" r:id="rId41"/>
-    <p:sldId id="1773" r:id="rId42"/>
+    <p:sldId id="1782" r:id="rId25"/>
+    <p:sldId id="1760" r:id="rId26"/>
+    <p:sldId id="1759" r:id="rId27"/>
+    <p:sldId id="1765" r:id="rId28"/>
+    <p:sldId id="1766" r:id="rId29"/>
+    <p:sldId id="1767" r:id="rId30"/>
+    <p:sldId id="1780" r:id="rId31"/>
+    <p:sldId id="1768" r:id="rId32"/>
+    <p:sldId id="1769" r:id="rId33"/>
+    <p:sldId id="1770" r:id="rId34"/>
+    <p:sldId id="1762" r:id="rId35"/>
+    <p:sldId id="1764" r:id="rId36"/>
+    <p:sldId id="1771" r:id="rId37"/>
+    <p:sldId id="1754" r:id="rId38"/>
+    <p:sldId id="1772" r:id="rId39"/>
+    <p:sldId id="1778" r:id="rId40"/>
+    <p:sldId id="1776" r:id="rId41"/>
+    <p:sldId id="1775" r:id="rId42"/>
+    <p:sldId id="1777" r:id="rId43"/>
+    <p:sldId id="1773" r:id="rId44"/>
   </p:sldIdLst>
   <p:sldSz cx="9144000" cy="6858000" type="screen4x3"/>
   <p:notesSz cx="6858000" cy="9144000"/>
@@ -251,7 +253,7 @@
           <a:p>
             <a:fld id="{97CB1905-1EEB-6545-B5E2-B70E8868255E}" type="datetimeFigureOut">
               <a:rPr lang="en-US" smtClean="0"/>
-              <a:t>3/18/23</a:t>
+              <a:t>3/19/23</a:t>
             </a:fld>
             <a:endParaRPr lang="en-US"/>
           </a:p>
@@ -417,7 +419,7 @@
           <a:p>
             <a:fld id="{5F53F6BF-7462-9046-A2B6-90C29244BD27}" type="datetimeFigureOut">
               <a:rPr lang="en-US" smtClean="0"/>
-              <a:t>3/18/23</a:t>
+              <a:t>3/19/23</a:t>
             </a:fld>
             <a:endParaRPr lang="en-US"/>
           </a:p>
@@ -4600,13 +4602,19 @@
         </p:spPr>
         <p:txBody>
           <a:bodyPr>
-            <a:normAutofit/>
+            <a:normAutofit fontScale="90000"/>
           </a:bodyPr>
           <a:lstStyle/>
           <a:p>
             <a:r>
               <a:rPr lang="en-US" dirty="0"/>
-              <a:t>Super Learning (SL) and sl3</a:t>
+              <a:t>Super Learning (SL) and </a:t>
+            </a:r>
+            <a:r>
+              <a:rPr lang="en-US" dirty="0">
+                <a:latin typeface="Source Code Pro" panose="020B0509030403020204" pitchFamily="49" charset="77"/>
+              </a:rPr>
+              <a:t>sl3</a:t>
             </a:r>
             <a:br>
               <a:rPr lang="en-US" dirty="0"/>
@@ -7363,6 +7371,545 @@
           <p:cNvPr id="2" name="Title 1">
             <a:extLst>
               <a:ext uri="{FF2B5EF4-FFF2-40B4-BE49-F238E27FC236}">
+                <a16:creationId xmlns:a16="http://schemas.microsoft.com/office/drawing/2014/main" id="{9344B171-048E-4A4D-7C39-4E1A34E443C9}"/>
+              </a:ext>
+            </a:extLst>
+          </p:cNvPr>
+          <p:cNvSpPr>
+            <a:spLocks noGrp="1"/>
+          </p:cNvSpPr>
+          <p:nvPr>
+            <p:ph type="title"/>
+          </p:nvPr>
+        </p:nvSpPr>
+        <p:spPr>
+          <a:xfrm>
+            <a:off x="457200" y="1250032"/>
+            <a:ext cx="7895492" cy="1150353"/>
+          </a:xfrm>
+        </p:spPr>
+        <p:txBody>
+          <a:bodyPr>
+            <a:normAutofit fontScale="90000"/>
+          </a:bodyPr>
+          <a:lstStyle/>
+          <a:p>
+            <a:r>
+              <a:rPr lang="en-US" dirty="0"/>
+              <a:t>Exercise: Training learner with </a:t>
+            </a:r>
+            <a:r>
+              <a:rPr lang="en-US" dirty="0">
+                <a:latin typeface="Source Code Pro" panose="020B0509030403020204" pitchFamily="49" charset="77"/>
+              </a:rPr>
+              <a:t>sl3</a:t>
+            </a:r>
+            <a:r>
+              <a:rPr lang="en-US" dirty="0"/>
+              <a:t> wrapper versus package’s function </a:t>
+            </a:r>
+          </a:p>
+        </p:txBody>
+      </p:sp>
+      <p:sp>
+        <p:nvSpPr>
+          <p:cNvPr id="3" name="Content Placeholder 2">
+            <a:extLst>
+              <a:ext uri="{FF2B5EF4-FFF2-40B4-BE49-F238E27FC236}">
+                <a16:creationId xmlns:a16="http://schemas.microsoft.com/office/drawing/2014/main" id="{7AD5B00B-1F2C-0BFF-3AE2-483DBF254E7E}"/>
+              </a:ext>
+            </a:extLst>
+          </p:cNvPr>
+          <p:cNvSpPr>
+            <a:spLocks noGrp="1"/>
+          </p:cNvSpPr>
+          <p:nvPr>
+            <p:ph idx="1"/>
+          </p:nvPr>
+        </p:nvSpPr>
+        <p:spPr>
+          <a:xfrm>
+            <a:off x="482600" y="2518947"/>
+            <a:ext cx="7740650" cy="3089021"/>
+          </a:xfrm>
+        </p:spPr>
+        <p:txBody>
+          <a:bodyPr>
+            <a:normAutofit fontScale="77500" lnSpcReduction="20000"/>
+          </a:bodyPr>
+          <a:lstStyle/>
+          <a:p>
+            <a:r>
+              <a:rPr lang="en-US" sz="2400" dirty="0"/>
+              <a:t>Prediction tasks in </a:t>
+            </a:r>
+            <a:r>
+              <a:rPr lang="en-US" sz="2400" dirty="0">
+                <a:latin typeface="Source Code Pro" panose="020B0509030403020204" pitchFamily="49" charset="77"/>
+              </a:rPr>
+              <a:t>sl3 </a:t>
+            </a:r>
+          </a:p>
+          <a:p>
+            <a:r>
+              <a:rPr lang="en-US" sz="2400" dirty="0"/>
+              <a:t>Comparison of R6 methods and S3 methods</a:t>
+            </a:r>
+          </a:p>
+          <a:p>
+            <a:pPr lvl="1"/>
+            <a:r>
+              <a:rPr lang="en-US" sz="2400" dirty="0">
+                <a:latin typeface="Source Code Pro" panose="020B0509030403020204" pitchFamily="49" charset="77"/>
+              </a:rPr>
+              <a:t>sl3</a:t>
+            </a:r>
+            <a:r>
+              <a:rPr lang="en-US" sz="2400" dirty="0"/>
+              <a:t> R package function, </a:t>
+            </a:r>
+            <a:r>
+              <a:rPr lang="en-US" sz="2400" dirty="0" err="1">
+                <a:latin typeface="Source Code Pro" panose="020B0509030403020204" pitchFamily="49" charset="77"/>
+              </a:rPr>
+              <a:t>Lrnr_earth</a:t>
+            </a:r>
+            <a:r>
+              <a:rPr lang="en-US" sz="2400" dirty="0"/>
+              <a:t> </a:t>
+            </a:r>
+          </a:p>
+          <a:p>
+            <a:pPr lvl="1"/>
+            <a:r>
+              <a:rPr lang="en-US" sz="2400" dirty="0">
+                <a:latin typeface="Source Code Pro" panose="020B0509030403020204" pitchFamily="49" charset="77"/>
+              </a:rPr>
+              <a:t>earth</a:t>
+            </a:r>
+            <a:r>
+              <a:rPr lang="en-US" sz="2400" dirty="0"/>
+              <a:t> R package function, </a:t>
+            </a:r>
+            <a:r>
+              <a:rPr lang="en-US" sz="2400" dirty="0">
+                <a:latin typeface="Source Code Pro" panose="020B0509030403020204" pitchFamily="49" charset="77"/>
+              </a:rPr>
+              <a:t>earth</a:t>
+            </a:r>
+          </a:p>
+          <a:p>
+            <a:r>
+              <a:rPr lang="en-US" sz="2400" dirty="0"/>
+              <a:t>Looking up learners, the </a:t>
+            </a:r>
+            <a:r>
+              <a:rPr lang="en-US" sz="2400" dirty="0">
+                <a:latin typeface="Source Code Pro" panose="020B0509030403020204" pitchFamily="49" charset="77"/>
+              </a:rPr>
+              <a:t>sl3</a:t>
+            </a:r>
+            <a:r>
+              <a:rPr lang="en-US" sz="2400" dirty="0"/>
+              <a:t> wrapper, and arguments </a:t>
+            </a:r>
+          </a:p>
+          <a:p>
+            <a:r>
+              <a:rPr lang="en-US" sz="2400" dirty="0"/>
+              <a:t>Modifying learner parameters</a:t>
+            </a:r>
+          </a:p>
+          <a:p>
+            <a:endParaRPr lang="en-US" sz="2400" dirty="0"/>
+          </a:p>
+          <a:p>
+            <a:r>
+              <a:rPr lang="en-US" sz="2400" b="1" dirty="0"/>
+              <a:t>Data example</a:t>
+            </a:r>
+            <a:r>
+              <a:rPr lang="en-US" sz="2400" dirty="0"/>
+              <a:t>: Collaborative Perinatal Project (CPP) was a multisite prospective cohort study designed to identify the effects of complications during either pregnancy or the perinatal period on birth and child outcomes.</a:t>
+            </a:r>
+          </a:p>
+        </p:txBody>
+      </p:sp>
+    </p:spTree>
+    <p:extLst>
+      <p:ext uri="{BB962C8B-B14F-4D97-AF65-F5344CB8AC3E}">
+        <p14:creationId xmlns:p14="http://schemas.microsoft.com/office/powerpoint/2010/main" val="1819357865"/>
+      </p:ext>
+    </p:extLst>
+  </p:cSld>
+  <p:clrMapOvr>
+    <a:masterClrMapping/>
+  </p:clrMapOvr>
+  <p:timing>
+    <p:tnLst>
+      <p:par>
+        <p:cTn id="1" dur="indefinite" restart="never" nodeType="tmRoot">
+          <p:childTnLst>
+            <p:seq concurrent="1" nextAc="seek">
+              <p:cTn id="2" dur="indefinite" nodeType="mainSeq">
+                <p:childTnLst>
+                  <p:par>
+                    <p:cTn id="3" fill="hold">
+                      <p:stCondLst>
+                        <p:cond delay="indefinite"/>
+                      </p:stCondLst>
+                      <p:childTnLst>
+                        <p:par>
+                          <p:cTn id="4" fill="hold">
+                            <p:stCondLst>
+                              <p:cond delay="0"/>
+                            </p:stCondLst>
+                            <p:childTnLst>
+                              <p:par>
+                                <p:cTn id="5" presetID="1" presetClass="entr" presetSubtype="0" fill="hold" grpId="0" nodeType="clickEffect">
+                                  <p:stCondLst>
+                                    <p:cond delay="0"/>
+                                  </p:stCondLst>
+                                  <p:childTnLst>
+                                    <p:set>
+                                      <p:cBhvr>
+                                        <p:cTn id="6" dur="1" fill="hold">
+                                          <p:stCondLst>
+                                            <p:cond delay="0"/>
+                                          </p:stCondLst>
+                                        </p:cTn>
+                                        <p:tgtEl>
+                                          <p:spTgt spid="3">
+                                            <p:txEl>
+                                              <p:pRg st="0" end="0"/>
+                                            </p:txEl>
+                                          </p:spTgt>
+                                        </p:tgtEl>
+                                        <p:attrNameLst>
+                                          <p:attrName>style.visibility</p:attrName>
+                                        </p:attrNameLst>
+                                      </p:cBhvr>
+                                      <p:to>
+                                        <p:strVal val="visible"/>
+                                      </p:to>
+                                    </p:set>
+                                  </p:childTnLst>
+                                </p:cTn>
+                              </p:par>
+                            </p:childTnLst>
+                          </p:cTn>
+                        </p:par>
+                      </p:childTnLst>
+                    </p:cTn>
+                  </p:par>
+                  <p:par>
+                    <p:cTn id="7" fill="hold">
+                      <p:stCondLst>
+                        <p:cond delay="indefinite"/>
+                      </p:stCondLst>
+                      <p:childTnLst>
+                        <p:par>
+                          <p:cTn id="8" fill="hold">
+                            <p:stCondLst>
+                              <p:cond delay="0"/>
+                            </p:stCondLst>
+                            <p:childTnLst>
+                              <p:par>
+                                <p:cTn id="9" presetID="1" presetClass="entr" presetSubtype="0" fill="hold" grpId="0" nodeType="clickEffect">
+                                  <p:stCondLst>
+                                    <p:cond delay="0"/>
+                                  </p:stCondLst>
+                                  <p:childTnLst>
+                                    <p:set>
+                                      <p:cBhvr>
+                                        <p:cTn id="10" dur="1" fill="hold">
+                                          <p:stCondLst>
+                                            <p:cond delay="0"/>
+                                          </p:stCondLst>
+                                        </p:cTn>
+                                        <p:tgtEl>
+                                          <p:spTgt spid="3">
+                                            <p:txEl>
+                                              <p:pRg st="1" end="1"/>
+                                            </p:txEl>
+                                          </p:spTgt>
+                                        </p:tgtEl>
+                                        <p:attrNameLst>
+                                          <p:attrName>style.visibility</p:attrName>
+                                        </p:attrNameLst>
+                                      </p:cBhvr>
+                                      <p:to>
+                                        <p:strVal val="visible"/>
+                                      </p:to>
+                                    </p:set>
+                                  </p:childTnLst>
+                                </p:cTn>
+                              </p:par>
+                              <p:par>
+                                <p:cTn id="11" presetID="1" presetClass="entr" presetSubtype="0" fill="hold" grpId="0" nodeType="withEffect">
+                                  <p:stCondLst>
+                                    <p:cond delay="0"/>
+                                  </p:stCondLst>
+                                  <p:childTnLst>
+                                    <p:set>
+                                      <p:cBhvr>
+                                        <p:cTn id="12" dur="1" fill="hold">
+                                          <p:stCondLst>
+                                            <p:cond delay="0"/>
+                                          </p:stCondLst>
+                                        </p:cTn>
+                                        <p:tgtEl>
+                                          <p:spTgt spid="3">
+                                            <p:txEl>
+                                              <p:pRg st="2" end="2"/>
+                                            </p:txEl>
+                                          </p:spTgt>
+                                        </p:tgtEl>
+                                        <p:attrNameLst>
+                                          <p:attrName>style.visibility</p:attrName>
+                                        </p:attrNameLst>
+                                      </p:cBhvr>
+                                      <p:to>
+                                        <p:strVal val="visible"/>
+                                      </p:to>
+                                    </p:set>
+                                  </p:childTnLst>
+                                </p:cTn>
+                              </p:par>
+                              <p:par>
+                                <p:cTn id="13" presetID="1" presetClass="entr" presetSubtype="0" fill="hold" grpId="0" nodeType="withEffect">
+                                  <p:stCondLst>
+                                    <p:cond delay="0"/>
+                                  </p:stCondLst>
+                                  <p:childTnLst>
+                                    <p:set>
+                                      <p:cBhvr>
+                                        <p:cTn id="14" dur="1" fill="hold">
+                                          <p:stCondLst>
+                                            <p:cond delay="0"/>
+                                          </p:stCondLst>
+                                        </p:cTn>
+                                        <p:tgtEl>
+                                          <p:spTgt spid="3">
+                                            <p:txEl>
+                                              <p:pRg st="3" end="3"/>
+                                            </p:txEl>
+                                          </p:spTgt>
+                                        </p:tgtEl>
+                                        <p:attrNameLst>
+                                          <p:attrName>style.visibility</p:attrName>
+                                        </p:attrNameLst>
+                                      </p:cBhvr>
+                                      <p:to>
+                                        <p:strVal val="visible"/>
+                                      </p:to>
+                                    </p:set>
+                                  </p:childTnLst>
+                                </p:cTn>
+                              </p:par>
+                            </p:childTnLst>
+                          </p:cTn>
+                        </p:par>
+                      </p:childTnLst>
+                    </p:cTn>
+                  </p:par>
+                  <p:par>
+                    <p:cTn id="15" fill="hold">
+                      <p:stCondLst>
+                        <p:cond delay="indefinite"/>
+                      </p:stCondLst>
+                      <p:childTnLst>
+                        <p:par>
+                          <p:cTn id="16" fill="hold">
+                            <p:stCondLst>
+                              <p:cond delay="0"/>
+                            </p:stCondLst>
+                            <p:childTnLst>
+                              <p:par>
+                                <p:cTn id="17" presetID="1" presetClass="entr" presetSubtype="0" fill="hold" grpId="0" nodeType="clickEffect">
+                                  <p:stCondLst>
+                                    <p:cond delay="0"/>
+                                  </p:stCondLst>
+                                  <p:childTnLst>
+                                    <p:set>
+                                      <p:cBhvr>
+                                        <p:cTn id="18" dur="1" fill="hold">
+                                          <p:stCondLst>
+                                            <p:cond delay="0"/>
+                                          </p:stCondLst>
+                                        </p:cTn>
+                                        <p:tgtEl>
+                                          <p:spTgt spid="3">
+                                            <p:txEl>
+                                              <p:pRg st="4" end="4"/>
+                                            </p:txEl>
+                                          </p:spTgt>
+                                        </p:tgtEl>
+                                        <p:attrNameLst>
+                                          <p:attrName>style.visibility</p:attrName>
+                                        </p:attrNameLst>
+                                      </p:cBhvr>
+                                      <p:to>
+                                        <p:strVal val="visible"/>
+                                      </p:to>
+                                    </p:set>
+                                  </p:childTnLst>
+                                </p:cTn>
+                              </p:par>
+                            </p:childTnLst>
+                          </p:cTn>
+                        </p:par>
+                      </p:childTnLst>
+                    </p:cTn>
+                  </p:par>
+                  <p:par>
+                    <p:cTn id="19" fill="hold">
+                      <p:stCondLst>
+                        <p:cond delay="indefinite"/>
+                      </p:stCondLst>
+                      <p:childTnLst>
+                        <p:par>
+                          <p:cTn id="20" fill="hold">
+                            <p:stCondLst>
+                              <p:cond delay="0"/>
+                            </p:stCondLst>
+                            <p:childTnLst>
+                              <p:par>
+                                <p:cTn id="21" presetID="1" presetClass="entr" presetSubtype="0" fill="hold" grpId="0" nodeType="clickEffect">
+                                  <p:stCondLst>
+                                    <p:cond delay="0"/>
+                                  </p:stCondLst>
+                                  <p:childTnLst>
+                                    <p:set>
+                                      <p:cBhvr>
+                                        <p:cTn id="22" dur="1" fill="hold">
+                                          <p:stCondLst>
+                                            <p:cond delay="0"/>
+                                          </p:stCondLst>
+                                        </p:cTn>
+                                        <p:tgtEl>
+                                          <p:spTgt spid="3">
+                                            <p:txEl>
+                                              <p:pRg st="5" end="5"/>
+                                            </p:txEl>
+                                          </p:spTgt>
+                                        </p:tgtEl>
+                                        <p:attrNameLst>
+                                          <p:attrName>style.visibility</p:attrName>
+                                        </p:attrNameLst>
+                                      </p:cBhvr>
+                                      <p:to>
+                                        <p:strVal val="visible"/>
+                                      </p:to>
+                                    </p:set>
+                                  </p:childTnLst>
+                                </p:cTn>
+                              </p:par>
+                            </p:childTnLst>
+                          </p:cTn>
+                        </p:par>
+                      </p:childTnLst>
+                    </p:cTn>
+                  </p:par>
+                  <p:par>
+                    <p:cTn id="23" fill="hold">
+                      <p:stCondLst>
+                        <p:cond delay="indefinite"/>
+                      </p:stCondLst>
+                      <p:childTnLst>
+                        <p:par>
+                          <p:cTn id="24" fill="hold">
+                            <p:stCondLst>
+                              <p:cond delay="0"/>
+                            </p:stCondLst>
+                            <p:childTnLst>
+                              <p:par>
+                                <p:cTn id="25" presetID="1" presetClass="entr" presetSubtype="0" fill="hold" grpId="0" nodeType="clickEffect">
+                                  <p:stCondLst>
+                                    <p:cond delay="0"/>
+                                  </p:stCondLst>
+                                  <p:childTnLst>
+                                    <p:set>
+                                      <p:cBhvr>
+                                        <p:cTn id="26" dur="1" fill="hold">
+                                          <p:stCondLst>
+                                            <p:cond delay="0"/>
+                                          </p:stCondLst>
+                                        </p:cTn>
+                                        <p:tgtEl>
+                                          <p:spTgt spid="3">
+                                            <p:txEl>
+                                              <p:pRg st="7" end="7"/>
+                                            </p:txEl>
+                                          </p:spTgt>
+                                        </p:tgtEl>
+                                        <p:attrNameLst>
+                                          <p:attrName>style.visibility</p:attrName>
+                                        </p:attrNameLst>
+                                      </p:cBhvr>
+                                      <p:to>
+                                        <p:strVal val="visible"/>
+                                      </p:to>
+                                    </p:set>
+                                  </p:childTnLst>
+                                </p:cTn>
+                              </p:par>
+                            </p:childTnLst>
+                          </p:cTn>
+                        </p:par>
+                      </p:childTnLst>
+                    </p:cTn>
+                  </p:par>
+                </p:childTnLst>
+              </p:cTn>
+              <p:prevCondLst>
+                <p:cond evt="onPrev" delay="0">
+                  <p:tgtEl>
+                    <p:sldTgt/>
+                  </p:tgtEl>
+                </p:cond>
+              </p:prevCondLst>
+              <p:nextCondLst>
+                <p:cond evt="onNext" delay="0">
+                  <p:tgtEl>
+                    <p:sldTgt/>
+                  </p:tgtEl>
+                </p:cond>
+              </p:nextCondLst>
+            </p:seq>
+          </p:childTnLst>
+        </p:cTn>
+      </p:par>
+    </p:tnLst>
+    <p:bldLst>
+      <p:bldP spid="3" grpId="0" build="p"/>
+    </p:bldLst>
+  </p:timing>
+</p:sld>
+</file>
+
+<file path=ppt/slides/slide25.xml><?xml version="1.0" encoding="utf-8"?>
+<p:sld xmlns:a="http://schemas.openxmlformats.org/drawingml/2006/main" xmlns:r="http://schemas.openxmlformats.org/officeDocument/2006/relationships" xmlns:p="http://schemas.openxmlformats.org/presentationml/2006/main">
+  <p:cSld>
+    <p:spTree>
+      <p:nvGrpSpPr>
+        <p:cNvPr id="1" name=""/>
+        <p:cNvGrpSpPr/>
+        <p:nvPr/>
+      </p:nvGrpSpPr>
+      <p:grpSpPr>
+        <a:xfrm>
+          <a:off x="0" y="0"/>
+          <a:ext cx="0" cy="0"/>
+          <a:chOff x="0" y="0"/>
+          <a:chExt cx="0" cy="0"/>
+        </a:xfrm>
+      </p:grpSpPr>
+      <p:sp>
+        <p:nvSpPr>
+          <p:cNvPr id="2" name="Title 1">
+            <a:extLst>
+              <a:ext uri="{FF2B5EF4-FFF2-40B4-BE49-F238E27FC236}">
                 <a16:creationId xmlns:a16="http://schemas.microsoft.com/office/drawing/2014/main" id="{6097E3B0-E775-2BB5-2077-BFFE70A44EA5}"/>
               </a:ext>
             </a:extLst>
@@ -7568,292 +8115,6 @@
     <p:extLst>
       <p:ext uri="{BB962C8B-B14F-4D97-AF65-F5344CB8AC3E}">
         <p14:creationId xmlns:p14="http://schemas.microsoft.com/office/powerpoint/2010/main" val="3793019360"/>
-      </p:ext>
-    </p:extLst>
-  </p:cSld>
-  <p:clrMapOvr>
-    <a:masterClrMapping/>
-  </p:clrMapOvr>
-</p:sld>
-</file>
-
-<file path=ppt/slides/slide25.xml><?xml version="1.0" encoding="utf-8"?>
-<p:sld xmlns:a="http://schemas.openxmlformats.org/drawingml/2006/main" xmlns:r="http://schemas.openxmlformats.org/officeDocument/2006/relationships" xmlns:p="http://schemas.openxmlformats.org/presentationml/2006/main">
-  <p:cSld>
-    <p:spTree>
-      <p:nvGrpSpPr>
-        <p:cNvPr id="1" name=""/>
-        <p:cNvGrpSpPr/>
-        <p:nvPr/>
-      </p:nvGrpSpPr>
-      <p:grpSpPr>
-        <a:xfrm>
-          <a:off x="0" y="0"/>
-          <a:ext cx="0" cy="0"/>
-          <a:chOff x="0" y="0"/>
-          <a:chExt cx="0" cy="0"/>
-        </a:xfrm>
-      </p:grpSpPr>
-      <p:sp>
-        <p:nvSpPr>
-          <p:cNvPr id="2" name="Title 1">
-            <a:extLst>
-              <a:ext uri="{FF2B5EF4-FFF2-40B4-BE49-F238E27FC236}">
-                <a16:creationId xmlns:a16="http://schemas.microsoft.com/office/drawing/2014/main" id="{6097E3B0-E775-2BB5-2077-BFFE70A44EA5}"/>
-              </a:ext>
-            </a:extLst>
-          </p:cNvPr>
-          <p:cNvSpPr>
-            <a:spLocks noGrp="1"/>
-          </p:cNvSpPr>
-          <p:nvPr>
-            <p:ph type="title"/>
-          </p:nvPr>
-        </p:nvSpPr>
-        <p:spPr>
-          <a:xfrm>
-            <a:off x="457199" y="154644"/>
-            <a:ext cx="7766050" cy="1150353"/>
-          </a:xfrm>
-        </p:spPr>
-        <p:txBody>
-          <a:bodyPr>
-            <a:normAutofit/>
-          </a:bodyPr>
-          <a:lstStyle/>
-          <a:p>
-            <a:r>
-              <a:rPr lang="en-US" sz="4800" dirty="0"/>
-              <a:t>Learners in </a:t>
-            </a:r>
-            <a:r>
-              <a:rPr lang="en-US" sz="4800" dirty="0">
-                <a:latin typeface="Source Code Pro" panose="020B0509030403020204" pitchFamily="49" charset="77"/>
-              </a:rPr>
-              <a:t>sl3</a:t>
-            </a:r>
-          </a:p>
-        </p:txBody>
-      </p:sp>
-      <p:pic>
-        <p:nvPicPr>
-          <p:cNvPr id="5" name="Picture 4" descr="Text&#10;&#10;Description automatically generated with medium confidence">
-            <a:extLst>
-              <a:ext uri="{FF2B5EF4-FFF2-40B4-BE49-F238E27FC236}">
-                <a16:creationId xmlns:a16="http://schemas.microsoft.com/office/drawing/2014/main" id="{FD72366C-EBCF-01EC-AEBC-3CB76879DE95}"/>
-              </a:ext>
-            </a:extLst>
-          </p:cNvPr>
-          <p:cNvPicPr>
-            <a:picLocks noChangeAspect="1"/>
-          </p:cNvPicPr>
-          <p:nvPr/>
-        </p:nvPicPr>
-        <p:blipFill>
-          <a:blip r:embed="rId2"/>
-          <a:stretch>
-            <a:fillRect/>
-          </a:stretch>
-        </p:blipFill>
-        <p:spPr>
-          <a:xfrm>
-            <a:off x="2576" y="1855096"/>
-            <a:ext cx="9141424" cy="3648723"/>
-          </a:xfrm>
-          <a:prstGeom prst="rect">
-            <a:avLst/>
-          </a:prstGeom>
-        </p:spPr>
-      </p:pic>
-      <p:sp>
-        <p:nvSpPr>
-          <p:cNvPr id="7" name="Rectangle 6">
-            <a:extLst>
-              <a:ext uri="{FF2B5EF4-FFF2-40B4-BE49-F238E27FC236}">
-                <a16:creationId xmlns:a16="http://schemas.microsoft.com/office/drawing/2014/main" id="{418D19F1-7E68-3391-475A-3E90A2C1F5ED}"/>
-              </a:ext>
-            </a:extLst>
-          </p:cNvPr>
-          <p:cNvSpPr/>
-          <p:nvPr/>
-        </p:nvSpPr>
-        <p:spPr>
-          <a:xfrm>
-            <a:off x="0" y="1385456"/>
-            <a:ext cx="1424354" cy="469640"/>
-          </a:xfrm>
-          <a:prstGeom prst="rect">
-            <a:avLst/>
-          </a:prstGeom>
-          <a:solidFill>
-            <a:schemeClr val="bg1"/>
-          </a:solidFill>
-          <a:ln>
-            <a:noFill/>
-          </a:ln>
-          <a:effectLst/>
-        </p:spPr>
-        <p:style>
-          <a:lnRef idx="1">
-            <a:schemeClr val="accent1"/>
-          </a:lnRef>
-          <a:fillRef idx="3">
-            <a:schemeClr val="accent1"/>
-          </a:fillRef>
-          <a:effectRef idx="2">
-            <a:schemeClr val="accent1"/>
-          </a:effectRef>
-          <a:fontRef idx="minor">
-            <a:schemeClr val="lt1"/>
-          </a:fontRef>
-        </p:style>
-        <p:txBody>
-          <a:bodyPr rtlCol="0" anchor="ctr"/>
-          <a:lstStyle/>
-          <a:p>
-            <a:pPr algn="ctr"/>
-            <a:endParaRPr lang="en-US"/>
-          </a:p>
-        </p:txBody>
-      </p:sp>
-      <p:sp>
-        <p:nvSpPr>
-          <p:cNvPr id="8" name="Rectangle 7">
-            <a:extLst>
-              <a:ext uri="{FF2B5EF4-FFF2-40B4-BE49-F238E27FC236}">
-                <a16:creationId xmlns:a16="http://schemas.microsoft.com/office/drawing/2014/main" id="{58A4C88C-A1B4-7822-F400-E877DDD057D1}"/>
-              </a:ext>
-            </a:extLst>
-          </p:cNvPr>
-          <p:cNvSpPr/>
-          <p:nvPr/>
-        </p:nvSpPr>
-        <p:spPr>
-          <a:xfrm>
-            <a:off x="1319443" y="1187715"/>
-            <a:ext cx="6505114" cy="584775"/>
-          </a:xfrm>
-          <a:prstGeom prst="rect">
-            <a:avLst/>
-          </a:prstGeom>
-        </p:spPr>
-        <p:txBody>
-          <a:bodyPr wrap="none">
-            <a:spAutoFit/>
-          </a:bodyPr>
-          <a:lstStyle/>
-          <a:p>
-            <a:r>
-              <a:rPr lang="en-US" sz="3200" b="1" i="1" dirty="0"/>
-              <a:t>How to estimate prediction function?</a:t>
-            </a:r>
-          </a:p>
-        </p:txBody>
-      </p:sp>
-      <p:sp>
-        <p:nvSpPr>
-          <p:cNvPr id="9" name="Rectangle 8">
-            <a:extLst>
-              <a:ext uri="{FF2B5EF4-FFF2-40B4-BE49-F238E27FC236}">
-                <a16:creationId xmlns:a16="http://schemas.microsoft.com/office/drawing/2014/main" id="{5DBB97BB-C3B3-20B0-6C8E-F909731462CD}"/>
-              </a:ext>
-            </a:extLst>
-          </p:cNvPr>
-          <p:cNvSpPr/>
-          <p:nvPr/>
-        </p:nvSpPr>
-        <p:spPr>
-          <a:xfrm>
-            <a:off x="2687783" y="6323734"/>
-            <a:ext cx="5801794" cy="369332"/>
-          </a:xfrm>
-          <a:prstGeom prst="rect">
-            <a:avLst/>
-          </a:prstGeom>
-        </p:spPr>
-        <p:txBody>
-          <a:bodyPr wrap="square">
-            <a:spAutoFit/>
-          </a:bodyPr>
-          <a:lstStyle/>
-          <a:p>
-            <a:r>
-              <a:rPr lang="en-US" dirty="0">
-                <a:solidFill>
-                  <a:schemeClr val="bg1"/>
-                </a:solidFill>
-                <a:hlinkClick r:id="rId3">
-                  <a:extLst>
-                    <a:ext uri="{A12FA001-AC4F-418D-AE19-62706E023703}">
-                      <ahyp:hlinkClr xmlns:ahyp="http://schemas.microsoft.com/office/drawing/2018/hyperlinkcolor" val="tx"/>
-                    </a:ext>
-                  </a:extLst>
-                </a:hlinkClick>
-              </a:rPr>
-              <a:t>https://tlverse.org/sl3/reference/index.html#sl-learners</a:t>
-            </a:r>
-            <a:endParaRPr lang="en-US" dirty="0">
-              <a:solidFill>
-                <a:schemeClr val="bg1"/>
-              </a:solidFill>
-            </a:endParaRPr>
-          </a:p>
-        </p:txBody>
-      </p:sp>
-      <p:sp>
-        <p:nvSpPr>
-          <p:cNvPr id="6" name="Oval 5">
-            <a:extLst>
-              <a:ext uri="{FF2B5EF4-FFF2-40B4-BE49-F238E27FC236}">
-                <a16:creationId xmlns:a16="http://schemas.microsoft.com/office/drawing/2014/main" id="{64593EF1-8194-12A4-5BD9-8312013E6B9F}"/>
-              </a:ext>
-            </a:extLst>
-          </p:cNvPr>
-          <p:cNvSpPr/>
-          <p:nvPr/>
-        </p:nvSpPr>
-        <p:spPr>
-          <a:xfrm>
-            <a:off x="5791200" y="4627419"/>
-            <a:ext cx="914400" cy="346363"/>
-          </a:xfrm>
-          <a:prstGeom prst="ellipse">
-            <a:avLst/>
-          </a:prstGeom>
-          <a:noFill/>
-          <a:ln w="38100">
-            <a:solidFill>
-              <a:srgbClr val="FF0000"/>
-            </a:solidFill>
-          </a:ln>
-        </p:spPr>
-        <p:style>
-          <a:lnRef idx="1">
-            <a:schemeClr val="accent1"/>
-          </a:lnRef>
-          <a:fillRef idx="3">
-            <a:schemeClr val="accent1"/>
-          </a:fillRef>
-          <a:effectRef idx="2">
-            <a:schemeClr val="accent1"/>
-          </a:effectRef>
-          <a:fontRef idx="minor">
-            <a:schemeClr val="lt1"/>
-          </a:fontRef>
-        </p:style>
-        <p:txBody>
-          <a:bodyPr rtlCol="0" anchor="ctr"/>
-          <a:lstStyle/>
-          <a:p>
-            <a:pPr algn="ctr"/>
-            <a:endParaRPr lang="en-US"/>
-          </a:p>
-        </p:txBody>
-      </p:sp>
-    </p:spTree>
-    <p:extLst>
-      <p:ext uri="{BB962C8B-B14F-4D97-AF65-F5344CB8AC3E}">
-        <p14:creationId xmlns:p14="http://schemas.microsoft.com/office/powerpoint/2010/main" val="2656801338"/>
       </p:ext>
     </p:extLst>
   </p:cSld>
@@ -8088,10 +8349,10 @@
       </p:sp>
       <p:sp>
         <p:nvSpPr>
-          <p:cNvPr id="10" name="Oval 9">
+          <p:cNvPr id="6" name="Oval 5">
             <a:extLst>
               <a:ext uri="{FF2B5EF4-FFF2-40B4-BE49-F238E27FC236}">
-                <a16:creationId xmlns:a16="http://schemas.microsoft.com/office/drawing/2014/main" id="{C9D16EF8-33E7-1812-1D36-F9505E8D3782}"/>
+                <a16:creationId xmlns:a16="http://schemas.microsoft.com/office/drawing/2014/main" id="{64593EF1-8194-12A4-5BD9-8312013E6B9F}"/>
               </a:ext>
             </a:extLst>
           </p:cNvPr>
@@ -8100,8 +8361,8 @@
         </p:nvSpPr>
         <p:spPr>
           <a:xfrm>
-            <a:off x="4017818" y="2964874"/>
-            <a:ext cx="1219200" cy="346363"/>
+            <a:off x="5791200" y="4627419"/>
+            <a:ext cx="914400" cy="346363"/>
           </a:xfrm>
           <a:prstGeom prst="ellipse">
             <a:avLst/>
@@ -8139,7 +8400,7 @@
     </p:spTree>
     <p:extLst>
       <p:ext uri="{BB962C8B-B14F-4D97-AF65-F5344CB8AC3E}">
-        <p14:creationId xmlns:p14="http://schemas.microsoft.com/office/powerpoint/2010/main" val="460752146"/>
+        <p14:creationId xmlns:p14="http://schemas.microsoft.com/office/powerpoint/2010/main" val="2656801338"/>
       </p:ext>
     </p:extLst>
   </p:cSld>
@@ -8374,10 +8635,10 @@
       </p:sp>
       <p:sp>
         <p:nvSpPr>
-          <p:cNvPr id="6" name="Oval 5">
+          <p:cNvPr id="10" name="Oval 9">
             <a:extLst>
               <a:ext uri="{FF2B5EF4-FFF2-40B4-BE49-F238E27FC236}">
-                <a16:creationId xmlns:a16="http://schemas.microsoft.com/office/drawing/2014/main" id="{64593EF1-8194-12A4-5BD9-8312013E6B9F}"/>
+                <a16:creationId xmlns:a16="http://schemas.microsoft.com/office/drawing/2014/main" id="{C9D16EF8-33E7-1812-1D36-F9505E8D3782}"/>
               </a:ext>
             </a:extLst>
           </p:cNvPr>
@@ -8386,8 +8647,8 @@
         </p:nvSpPr>
         <p:spPr>
           <a:xfrm>
-            <a:off x="6123708" y="2653149"/>
-            <a:ext cx="1219199" cy="464124"/>
+            <a:off x="4017818" y="2964874"/>
+            <a:ext cx="1219200" cy="346363"/>
           </a:xfrm>
           <a:prstGeom prst="ellipse">
             <a:avLst/>
@@ -8422,60 +8683,10 @@
           </a:p>
         </p:txBody>
       </p:sp>
-      <p:sp>
-        <p:nvSpPr>
-          <p:cNvPr id="10" name="Oval 9">
-            <a:extLst>
-              <a:ext uri="{FF2B5EF4-FFF2-40B4-BE49-F238E27FC236}">
-                <a16:creationId xmlns:a16="http://schemas.microsoft.com/office/drawing/2014/main" id="{C9D16EF8-33E7-1812-1D36-F9505E8D3782}"/>
-              </a:ext>
-            </a:extLst>
-          </p:cNvPr>
-          <p:cNvSpPr/>
-          <p:nvPr/>
-        </p:nvSpPr>
-        <p:spPr>
-          <a:xfrm>
-            <a:off x="4017818" y="2964874"/>
-            <a:ext cx="1219200" cy="346363"/>
-          </a:xfrm>
-          <a:prstGeom prst="ellipse">
-            <a:avLst/>
-          </a:prstGeom>
-          <a:noFill/>
-          <a:ln w="38100">
-            <a:solidFill>
-              <a:srgbClr val="FF0000"/>
-            </a:solidFill>
-          </a:ln>
-        </p:spPr>
-        <p:style>
-          <a:lnRef idx="1">
-            <a:schemeClr val="accent1"/>
-          </a:lnRef>
-          <a:fillRef idx="3">
-            <a:schemeClr val="accent1"/>
-          </a:fillRef>
-          <a:effectRef idx="2">
-            <a:schemeClr val="accent1"/>
-          </a:effectRef>
-          <a:fontRef idx="minor">
-            <a:schemeClr val="lt1"/>
-          </a:fontRef>
-        </p:style>
-        <p:txBody>
-          <a:bodyPr rtlCol="0" anchor="ctr"/>
-          <a:lstStyle/>
-          <a:p>
-            <a:pPr algn="ctr"/>
-            <a:endParaRPr lang="en-US"/>
-          </a:p>
-        </p:txBody>
-      </p:sp>
     </p:spTree>
     <p:extLst>
       <p:ext uri="{BB962C8B-B14F-4D97-AF65-F5344CB8AC3E}">
-        <p14:creationId xmlns:p14="http://schemas.microsoft.com/office/powerpoint/2010/main" val="3650990741"/>
+        <p14:creationId xmlns:p14="http://schemas.microsoft.com/office/powerpoint/2010/main" val="460752146"/>
       </p:ext>
     </p:extLst>
   </p:cSld>
@@ -8808,60 +9019,10 @@
           </a:p>
         </p:txBody>
       </p:sp>
-      <p:sp>
-        <p:nvSpPr>
-          <p:cNvPr id="12" name="Oval 11">
-            <a:extLst>
-              <a:ext uri="{FF2B5EF4-FFF2-40B4-BE49-F238E27FC236}">
-                <a16:creationId xmlns:a16="http://schemas.microsoft.com/office/drawing/2014/main" id="{0A8E2568-9674-D3A4-300F-C657933672BF}"/>
-              </a:ext>
-            </a:extLst>
-          </p:cNvPr>
-          <p:cNvSpPr/>
-          <p:nvPr/>
-        </p:nvSpPr>
-        <p:spPr>
-          <a:xfrm>
-            <a:off x="4258642" y="4058306"/>
-            <a:ext cx="1574122" cy="464124"/>
-          </a:xfrm>
-          <a:prstGeom prst="ellipse">
-            <a:avLst/>
-          </a:prstGeom>
-          <a:noFill/>
-          <a:ln w="38100">
-            <a:solidFill>
-              <a:srgbClr val="FF0000"/>
-            </a:solidFill>
-          </a:ln>
-        </p:spPr>
-        <p:style>
-          <a:lnRef idx="1">
-            <a:schemeClr val="accent1"/>
-          </a:lnRef>
-          <a:fillRef idx="3">
-            <a:schemeClr val="accent1"/>
-          </a:fillRef>
-          <a:effectRef idx="2">
-            <a:schemeClr val="accent1"/>
-          </a:effectRef>
-          <a:fontRef idx="minor">
-            <a:schemeClr val="lt1"/>
-          </a:fontRef>
-        </p:style>
-        <p:txBody>
-          <a:bodyPr rtlCol="0" anchor="ctr"/>
-          <a:lstStyle/>
-          <a:p>
-            <a:pPr algn="ctr"/>
-            <a:endParaRPr lang="en-US"/>
-          </a:p>
-        </p:txBody>
-      </p:sp>
     </p:spTree>
     <p:extLst>
       <p:ext uri="{BB962C8B-B14F-4D97-AF65-F5344CB8AC3E}">
-        <p14:creationId xmlns:p14="http://schemas.microsoft.com/office/powerpoint/2010/main" val="3762090411"/>
+        <p14:creationId xmlns:p14="http://schemas.microsoft.com/office/powerpoint/2010/main" val="3650990741"/>
       </p:ext>
     </p:extLst>
   </p:cSld>
@@ -9196,10 +9357,10 @@
       </p:sp>
       <p:sp>
         <p:nvSpPr>
-          <p:cNvPr id="11" name="Oval 10">
+          <p:cNvPr id="12" name="Oval 11">
             <a:extLst>
               <a:ext uri="{FF2B5EF4-FFF2-40B4-BE49-F238E27FC236}">
-                <a16:creationId xmlns:a16="http://schemas.microsoft.com/office/drawing/2014/main" id="{DFF9B074-8915-7746-7A8E-7650110F0371}"/>
+                <a16:creationId xmlns:a16="http://schemas.microsoft.com/office/drawing/2014/main" id="{0A8E2568-9674-D3A4-300F-C657933672BF}"/>
               </a:ext>
             </a:extLst>
           </p:cNvPr>
@@ -9208,8 +9369,8 @@
         </p:nvSpPr>
         <p:spPr>
           <a:xfrm>
-            <a:off x="2978726" y="2106006"/>
-            <a:ext cx="1330038" cy="464124"/>
+            <a:off x="4258642" y="4058306"/>
+            <a:ext cx="1574122" cy="464124"/>
           </a:xfrm>
           <a:prstGeom prst="ellipse">
             <a:avLst/>
@@ -9244,60 +9405,10 @@
           </a:p>
         </p:txBody>
       </p:sp>
-      <p:sp>
-        <p:nvSpPr>
-          <p:cNvPr id="12" name="Oval 11">
-            <a:extLst>
-              <a:ext uri="{FF2B5EF4-FFF2-40B4-BE49-F238E27FC236}">
-                <a16:creationId xmlns:a16="http://schemas.microsoft.com/office/drawing/2014/main" id="{0A8E2568-9674-D3A4-300F-C657933672BF}"/>
-              </a:ext>
-            </a:extLst>
-          </p:cNvPr>
-          <p:cNvSpPr/>
-          <p:nvPr/>
-        </p:nvSpPr>
-        <p:spPr>
-          <a:xfrm>
-            <a:off x="4258642" y="4058306"/>
-            <a:ext cx="1574122" cy="464124"/>
-          </a:xfrm>
-          <a:prstGeom prst="ellipse">
-            <a:avLst/>
-          </a:prstGeom>
-          <a:noFill/>
-          <a:ln w="38100">
-            <a:solidFill>
-              <a:srgbClr val="FF0000"/>
-            </a:solidFill>
-          </a:ln>
-        </p:spPr>
-        <p:style>
-          <a:lnRef idx="1">
-            <a:schemeClr val="accent1"/>
-          </a:lnRef>
-          <a:fillRef idx="3">
-            <a:schemeClr val="accent1"/>
-          </a:fillRef>
-          <a:effectRef idx="2">
-            <a:schemeClr val="accent1"/>
-          </a:effectRef>
-          <a:fontRef idx="minor">
-            <a:schemeClr val="lt1"/>
-          </a:fontRef>
-        </p:style>
-        <p:txBody>
-          <a:bodyPr rtlCol="0" anchor="ctr"/>
-          <a:lstStyle/>
-          <a:p>
-            <a:pPr algn="ctr"/>
-            <a:endParaRPr lang="en-US"/>
-          </a:p>
-        </p:txBody>
-      </p:sp>
     </p:spTree>
     <p:extLst>
       <p:ext uri="{BB962C8B-B14F-4D97-AF65-F5344CB8AC3E}">
-        <p14:creationId xmlns:p14="http://schemas.microsoft.com/office/powerpoint/2010/main" val="826377749"/>
+        <p14:creationId xmlns:p14="http://schemas.microsoft.com/office/powerpoint/2010/main" val="3762090411"/>
       </p:ext>
     </p:extLst>
   </p:cSld>
@@ -9346,14 +9457,14 @@
           <a:ln/>
           <a:extLst>
             <a:ext uri="{909E8E84-426E-40dd-AFC4-6F175D3DCCD1}">
-              <a14:hiddenFill xmlns="" xmlns:a14="http://schemas.microsoft.com/office/drawing/2010/main">
+              <a14:hiddenFill xmlns:a14="http://schemas.microsoft.com/office/drawing/2010/main" xmlns="">
                 <a:solidFill>
                   <a:srgbClr val="FFFFFF"/>
                 </a:solidFill>
               </a14:hiddenFill>
             </a:ext>
             <a:ext uri="{91240B29-F687-4f45-9708-019B960494DF}">
-              <a14:hiddenLine xmlns="" xmlns:a14="http://schemas.microsoft.com/office/drawing/2010/main" w="9525">
+              <a14:hiddenLine xmlns:a14="http://schemas.microsoft.com/office/drawing/2010/main" xmlns="" w="9525">
                 <a:solidFill>
                   <a:srgbClr val="000000"/>
                 </a:solidFill>
@@ -9831,10 +9942,10 @@
       </p:sp>
       <p:sp>
         <p:nvSpPr>
-          <p:cNvPr id="4" name="Rounded Rectangle 3">
+          <p:cNvPr id="6" name="Oval 5">
             <a:extLst>
               <a:ext uri="{FF2B5EF4-FFF2-40B4-BE49-F238E27FC236}">
-                <a16:creationId xmlns:a16="http://schemas.microsoft.com/office/drawing/2014/main" id="{567CE972-3278-92B3-0FA5-C04D83714D21}"/>
+                <a16:creationId xmlns:a16="http://schemas.microsoft.com/office/drawing/2014/main" id="{64593EF1-8194-12A4-5BD9-8312013E6B9F}"/>
               </a:ext>
             </a:extLst>
           </p:cNvPr>
@@ -9843,16 +9954,16 @@
         </p:nvSpPr>
         <p:spPr>
           <a:xfrm>
-            <a:off x="4461164" y="5148949"/>
-            <a:ext cx="775854" cy="464124"/>
-          </a:xfrm>
-          <a:prstGeom prst="roundRect">
+            <a:off x="6123708" y="2653149"/>
+            <a:ext cx="1219199" cy="464124"/>
+          </a:xfrm>
+          <a:prstGeom prst="ellipse">
             <a:avLst/>
           </a:prstGeom>
           <a:noFill/>
-          <a:ln w="57150">
+          <a:ln w="38100">
             <a:solidFill>
-              <a:schemeClr val="accent6"/>
+              <a:srgbClr val="FF0000"/>
             </a:solidFill>
           </a:ln>
         </p:spPr>
@@ -9879,6 +9990,828 @@
           </a:p>
         </p:txBody>
       </p:sp>
+      <p:sp>
+        <p:nvSpPr>
+          <p:cNvPr id="10" name="Oval 9">
+            <a:extLst>
+              <a:ext uri="{FF2B5EF4-FFF2-40B4-BE49-F238E27FC236}">
+                <a16:creationId xmlns:a16="http://schemas.microsoft.com/office/drawing/2014/main" id="{C9D16EF8-33E7-1812-1D36-F9505E8D3782}"/>
+              </a:ext>
+            </a:extLst>
+          </p:cNvPr>
+          <p:cNvSpPr/>
+          <p:nvPr/>
+        </p:nvSpPr>
+        <p:spPr>
+          <a:xfrm>
+            <a:off x="4017818" y="2964874"/>
+            <a:ext cx="1219200" cy="346363"/>
+          </a:xfrm>
+          <a:prstGeom prst="ellipse">
+            <a:avLst/>
+          </a:prstGeom>
+          <a:noFill/>
+          <a:ln w="38100">
+            <a:solidFill>
+              <a:srgbClr val="FF0000"/>
+            </a:solidFill>
+          </a:ln>
+        </p:spPr>
+        <p:style>
+          <a:lnRef idx="1">
+            <a:schemeClr val="accent1"/>
+          </a:lnRef>
+          <a:fillRef idx="3">
+            <a:schemeClr val="accent1"/>
+          </a:fillRef>
+          <a:effectRef idx="2">
+            <a:schemeClr val="accent1"/>
+          </a:effectRef>
+          <a:fontRef idx="minor">
+            <a:schemeClr val="lt1"/>
+          </a:fontRef>
+        </p:style>
+        <p:txBody>
+          <a:bodyPr rtlCol="0" anchor="ctr"/>
+          <a:lstStyle/>
+          <a:p>
+            <a:pPr algn="ctr"/>
+            <a:endParaRPr lang="en-US"/>
+          </a:p>
+        </p:txBody>
+      </p:sp>
+      <p:sp>
+        <p:nvSpPr>
+          <p:cNvPr id="12" name="Oval 11">
+            <a:extLst>
+              <a:ext uri="{FF2B5EF4-FFF2-40B4-BE49-F238E27FC236}">
+                <a16:creationId xmlns:a16="http://schemas.microsoft.com/office/drawing/2014/main" id="{0A8E2568-9674-D3A4-300F-C657933672BF}"/>
+              </a:ext>
+            </a:extLst>
+          </p:cNvPr>
+          <p:cNvSpPr/>
+          <p:nvPr/>
+        </p:nvSpPr>
+        <p:spPr>
+          <a:xfrm>
+            <a:off x="4258642" y="4058306"/>
+            <a:ext cx="1574122" cy="464124"/>
+          </a:xfrm>
+          <a:prstGeom prst="ellipse">
+            <a:avLst/>
+          </a:prstGeom>
+          <a:noFill/>
+          <a:ln w="38100">
+            <a:solidFill>
+              <a:srgbClr val="FF0000"/>
+            </a:solidFill>
+          </a:ln>
+        </p:spPr>
+        <p:style>
+          <a:lnRef idx="1">
+            <a:schemeClr val="accent1"/>
+          </a:lnRef>
+          <a:fillRef idx="3">
+            <a:schemeClr val="accent1"/>
+          </a:fillRef>
+          <a:effectRef idx="2">
+            <a:schemeClr val="accent1"/>
+          </a:effectRef>
+          <a:fontRef idx="minor">
+            <a:schemeClr val="lt1"/>
+          </a:fontRef>
+        </p:style>
+        <p:txBody>
+          <a:bodyPr rtlCol="0" anchor="ctr"/>
+          <a:lstStyle/>
+          <a:p>
+            <a:pPr algn="ctr"/>
+            <a:endParaRPr lang="en-US"/>
+          </a:p>
+        </p:txBody>
+      </p:sp>
+    </p:spTree>
+    <p:extLst>
+      <p:ext uri="{BB962C8B-B14F-4D97-AF65-F5344CB8AC3E}">
+        <p14:creationId xmlns:p14="http://schemas.microsoft.com/office/powerpoint/2010/main" val="876550886"/>
+      </p:ext>
+    </p:extLst>
+  </p:cSld>
+  <p:clrMapOvr>
+    <a:masterClrMapping/>
+  </p:clrMapOvr>
+</p:sld>
+</file>
+
+<file path=ppt/slides/slide31.xml><?xml version="1.0" encoding="utf-8"?>
+<p:sld xmlns:a="http://schemas.openxmlformats.org/drawingml/2006/main" xmlns:r="http://schemas.openxmlformats.org/officeDocument/2006/relationships" xmlns:p="http://schemas.openxmlformats.org/presentationml/2006/main">
+  <p:cSld>
+    <p:spTree>
+      <p:nvGrpSpPr>
+        <p:cNvPr id="1" name=""/>
+        <p:cNvGrpSpPr/>
+        <p:nvPr/>
+      </p:nvGrpSpPr>
+      <p:grpSpPr>
+        <a:xfrm>
+          <a:off x="0" y="0"/>
+          <a:ext cx="0" cy="0"/>
+          <a:chOff x="0" y="0"/>
+          <a:chExt cx="0" cy="0"/>
+        </a:xfrm>
+      </p:grpSpPr>
+      <p:sp>
+        <p:nvSpPr>
+          <p:cNvPr id="2" name="Title 1">
+            <a:extLst>
+              <a:ext uri="{FF2B5EF4-FFF2-40B4-BE49-F238E27FC236}">
+                <a16:creationId xmlns:a16="http://schemas.microsoft.com/office/drawing/2014/main" id="{6097E3B0-E775-2BB5-2077-BFFE70A44EA5}"/>
+              </a:ext>
+            </a:extLst>
+          </p:cNvPr>
+          <p:cNvSpPr>
+            <a:spLocks noGrp="1"/>
+          </p:cNvSpPr>
+          <p:nvPr>
+            <p:ph type="title"/>
+          </p:nvPr>
+        </p:nvSpPr>
+        <p:spPr>
+          <a:xfrm>
+            <a:off x="457199" y="154644"/>
+            <a:ext cx="7766050" cy="1150353"/>
+          </a:xfrm>
+        </p:spPr>
+        <p:txBody>
+          <a:bodyPr>
+            <a:normAutofit/>
+          </a:bodyPr>
+          <a:lstStyle/>
+          <a:p>
+            <a:r>
+              <a:rPr lang="en-US" sz="4800" dirty="0"/>
+              <a:t>Learners in </a:t>
+            </a:r>
+            <a:r>
+              <a:rPr lang="en-US" sz="4800" dirty="0">
+                <a:latin typeface="Source Code Pro" panose="020B0509030403020204" pitchFamily="49" charset="77"/>
+              </a:rPr>
+              <a:t>sl3</a:t>
+            </a:r>
+          </a:p>
+        </p:txBody>
+      </p:sp>
+      <p:pic>
+        <p:nvPicPr>
+          <p:cNvPr id="5" name="Picture 4" descr="Text&#10;&#10;Description automatically generated with medium confidence">
+            <a:extLst>
+              <a:ext uri="{FF2B5EF4-FFF2-40B4-BE49-F238E27FC236}">
+                <a16:creationId xmlns:a16="http://schemas.microsoft.com/office/drawing/2014/main" id="{FD72366C-EBCF-01EC-AEBC-3CB76879DE95}"/>
+              </a:ext>
+            </a:extLst>
+          </p:cNvPr>
+          <p:cNvPicPr>
+            <a:picLocks noChangeAspect="1"/>
+          </p:cNvPicPr>
+          <p:nvPr/>
+        </p:nvPicPr>
+        <p:blipFill>
+          <a:blip r:embed="rId2"/>
+          <a:stretch>
+            <a:fillRect/>
+          </a:stretch>
+        </p:blipFill>
+        <p:spPr>
+          <a:xfrm>
+            <a:off x="2576" y="1855096"/>
+            <a:ext cx="9141424" cy="3648723"/>
+          </a:xfrm>
+          <a:prstGeom prst="rect">
+            <a:avLst/>
+          </a:prstGeom>
+        </p:spPr>
+      </p:pic>
+      <p:sp>
+        <p:nvSpPr>
+          <p:cNvPr id="7" name="Rectangle 6">
+            <a:extLst>
+              <a:ext uri="{FF2B5EF4-FFF2-40B4-BE49-F238E27FC236}">
+                <a16:creationId xmlns:a16="http://schemas.microsoft.com/office/drawing/2014/main" id="{418D19F1-7E68-3391-475A-3E90A2C1F5ED}"/>
+              </a:ext>
+            </a:extLst>
+          </p:cNvPr>
+          <p:cNvSpPr/>
+          <p:nvPr/>
+        </p:nvSpPr>
+        <p:spPr>
+          <a:xfrm>
+            <a:off x="0" y="1385456"/>
+            <a:ext cx="1424354" cy="469640"/>
+          </a:xfrm>
+          <a:prstGeom prst="rect">
+            <a:avLst/>
+          </a:prstGeom>
+          <a:solidFill>
+            <a:schemeClr val="bg1"/>
+          </a:solidFill>
+          <a:ln>
+            <a:noFill/>
+          </a:ln>
+          <a:effectLst/>
+        </p:spPr>
+        <p:style>
+          <a:lnRef idx="1">
+            <a:schemeClr val="accent1"/>
+          </a:lnRef>
+          <a:fillRef idx="3">
+            <a:schemeClr val="accent1"/>
+          </a:fillRef>
+          <a:effectRef idx="2">
+            <a:schemeClr val="accent1"/>
+          </a:effectRef>
+          <a:fontRef idx="minor">
+            <a:schemeClr val="lt1"/>
+          </a:fontRef>
+        </p:style>
+        <p:txBody>
+          <a:bodyPr rtlCol="0" anchor="ctr"/>
+          <a:lstStyle/>
+          <a:p>
+            <a:pPr algn="ctr"/>
+            <a:endParaRPr lang="en-US"/>
+          </a:p>
+        </p:txBody>
+      </p:sp>
+      <p:sp>
+        <p:nvSpPr>
+          <p:cNvPr id="8" name="Rectangle 7">
+            <a:extLst>
+              <a:ext uri="{FF2B5EF4-FFF2-40B4-BE49-F238E27FC236}">
+                <a16:creationId xmlns:a16="http://schemas.microsoft.com/office/drawing/2014/main" id="{58A4C88C-A1B4-7822-F400-E877DDD057D1}"/>
+              </a:ext>
+            </a:extLst>
+          </p:cNvPr>
+          <p:cNvSpPr/>
+          <p:nvPr/>
+        </p:nvSpPr>
+        <p:spPr>
+          <a:xfrm>
+            <a:off x="1319443" y="1187715"/>
+            <a:ext cx="6505114" cy="584775"/>
+          </a:xfrm>
+          <a:prstGeom prst="rect">
+            <a:avLst/>
+          </a:prstGeom>
+        </p:spPr>
+        <p:txBody>
+          <a:bodyPr wrap="none">
+            <a:spAutoFit/>
+          </a:bodyPr>
+          <a:lstStyle/>
+          <a:p>
+            <a:r>
+              <a:rPr lang="en-US" sz="3200" b="1" i="1" dirty="0"/>
+              <a:t>How to estimate prediction function?</a:t>
+            </a:r>
+          </a:p>
+        </p:txBody>
+      </p:sp>
+      <p:sp>
+        <p:nvSpPr>
+          <p:cNvPr id="9" name="Rectangle 8">
+            <a:extLst>
+              <a:ext uri="{FF2B5EF4-FFF2-40B4-BE49-F238E27FC236}">
+                <a16:creationId xmlns:a16="http://schemas.microsoft.com/office/drawing/2014/main" id="{5DBB97BB-C3B3-20B0-6C8E-F909731462CD}"/>
+              </a:ext>
+            </a:extLst>
+          </p:cNvPr>
+          <p:cNvSpPr/>
+          <p:nvPr/>
+        </p:nvSpPr>
+        <p:spPr>
+          <a:xfrm>
+            <a:off x="2687783" y="6323734"/>
+            <a:ext cx="5801794" cy="369332"/>
+          </a:xfrm>
+          <a:prstGeom prst="rect">
+            <a:avLst/>
+          </a:prstGeom>
+        </p:spPr>
+        <p:txBody>
+          <a:bodyPr wrap="square">
+            <a:spAutoFit/>
+          </a:bodyPr>
+          <a:lstStyle/>
+          <a:p>
+            <a:r>
+              <a:rPr lang="en-US" dirty="0">
+                <a:solidFill>
+                  <a:schemeClr val="bg1"/>
+                </a:solidFill>
+                <a:hlinkClick r:id="rId3">
+                  <a:extLst>
+                    <a:ext uri="{A12FA001-AC4F-418D-AE19-62706E023703}">
+                      <ahyp:hlinkClr xmlns:ahyp="http://schemas.microsoft.com/office/drawing/2018/hyperlinkcolor" val="tx"/>
+                    </a:ext>
+                  </a:extLst>
+                </a:hlinkClick>
+              </a:rPr>
+              <a:t>https://tlverse.org/sl3/reference/index.html#sl-learners</a:t>
+            </a:r>
+            <a:endParaRPr lang="en-US" dirty="0">
+              <a:solidFill>
+                <a:schemeClr val="bg1"/>
+              </a:solidFill>
+            </a:endParaRPr>
+          </a:p>
+        </p:txBody>
+      </p:sp>
+      <p:sp>
+        <p:nvSpPr>
+          <p:cNvPr id="6" name="Oval 5">
+            <a:extLst>
+              <a:ext uri="{FF2B5EF4-FFF2-40B4-BE49-F238E27FC236}">
+                <a16:creationId xmlns:a16="http://schemas.microsoft.com/office/drawing/2014/main" id="{64593EF1-8194-12A4-5BD9-8312013E6B9F}"/>
+              </a:ext>
+            </a:extLst>
+          </p:cNvPr>
+          <p:cNvSpPr/>
+          <p:nvPr/>
+        </p:nvSpPr>
+        <p:spPr>
+          <a:xfrm>
+            <a:off x="6123708" y="2653149"/>
+            <a:ext cx="1219199" cy="464124"/>
+          </a:xfrm>
+          <a:prstGeom prst="ellipse">
+            <a:avLst/>
+          </a:prstGeom>
+          <a:noFill/>
+          <a:ln w="38100">
+            <a:solidFill>
+              <a:srgbClr val="FF0000"/>
+            </a:solidFill>
+          </a:ln>
+        </p:spPr>
+        <p:style>
+          <a:lnRef idx="1">
+            <a:schemeClr val="accent1"/>
+          </a:lnRef>
+          <a:fillRef idx="3">
+            <a:schemeClr val="accent1"/>
+          </a:fillRef>
+          <a:effectRef idx="2">
+            <a:schemeClr val="accent1"/>
+          </a:effectRef>
+          <a:fontRef idx="minor">
+            <a:schemeClr val="lt1"/>
+          </a:fontRef>
+        </p:style>
+        <p:txBody>
+          <a:bodyPr rtlCol="0" anchor="ctr"/>
+          <a:lstStyle/>
+          <a:p>
+            <a:pPr algn="ctr"/>
+            <a:endParaRPr lang="en-US"/>
+          </a:p>
+        </p:txBody>
+      </p:sp>
+      <p:sp>
+        <p:nvSpPr>
+          <p:cNvPr id="10" name="Oval 9">
+            <a:extLst>
+              <a:ext uri="{FF2B5EF4-FFF2-40B4-BE49-F238E27FC236}">
+                <a16:creationId xmlns:a16="http://schemas.microsoft.com/office/drawing/2014/main" id="{C9D16EF8-33E7-1812-1D36-F9505E8D3782}"/>
+              </a:ext>
+            </a:extLst>
+          </p:cNvPr>
+          <p:cNvSpPr/>
+          <p:nvPr/>
+        </p:nvSpPr>
+        <p:spPr>
+          <a:xfrm>
+            <a:off x="4017818" y="2964874"/>
+            <a:ext cx="1219200" cy="346363"/>
+          </a:xfrm>
+          <a:prstGeom prst="ellipse">
+            <a:avLst/>
+          </a:prstGeom>
+          <a:noFill/>
+          <a:ln w="38100">
+            <a:solidFill>
+              <a:srgbClr val="FF0000"/>
+            </a:solidFill>
+          </a:ln>
+        </p:spPr>
+        <p:style>
+          <a:lnRef idx="1">
+            <a:schemeClr val="accent1"/>
+          </a:lnRef>
+          <a:fillRef idx="3">
+            <a:schemeClr val="accent1"/>
+          </a:fillRef>
+          <a:effectRef idx="2">
+            <a:schemeClr val="accent1"/>
+          </a:effectRef>
+          <a:fontRef idx="minor">
+            <a:schemeClr val="lt1"/>
+          </a:fontRef>
+        </p:style>
+        <p:txBody>
+          <a:bodyPr rtlCol="0" anchor="ctr"/>
+          <a:lstStyle/>
+          <a:p>
+            <a:pPr algn="ctr"/>
+            <a:endParaRPr lang="en-US"/>
+          </a:p>
+        </p:txBody>
+      </p:sp>
+      <p:sp>
+        <p:nvSpPr>
+          <p:cNvPr id="11" name="Oval 10">
+            <a:extLst>
+              <a:ext uri="{FF2B5EF4-FFF2-40B4-BE49-F238E27FC236}">
+                <a16:creationId xmlns:a16="http://schemas.microsoft.com/office/drawing/2014/main" id="{DFF9B074-8915-7746-7A8E-7650110F0371}"/>
+              </a:ext>
+            </a:extLst>
+          </p:cNvPr>
+          <p:cNvSpPr/>
+          <p:nvPr/>
+        </p:nvSpPr>
+        <p:spPr>
+          <a:xfrm>
+            <a:off x="2978726" y="2106006"/>
+            <a:ext cx="1330038" cy="464124"/>
+          </a:xfrm>
+          <a:prstGeom prst="ellipse">
+            <a:avLst/>
+          </a:prstGeom>
+          <a:noFill/>
+          <a:ln w="38100">
+            <a:solidFill>
+              <a:srgbClr val="FF0000"/>
+            </a:solidFill>
+          </a:ln>
+        </p:spPr>
+        <p:style>
+          <a:lnRef idx="1">
+            <a:schemeClr val="accent1"/>
+          </a:lnRef>
+          <a:fillRef idx="3">
+            <a:schemeClr val="accent1"/>
+          </a:fillRef>
+          <a:effectRef idx="2">
+            <a:schemeClr val="accent1"/>
+          </a:effectRef>
+          <a:fontRef idx="minor">
+            <a:schemeClr val="lt1"/>
+          </a:fontRef>
+        </p:style>
+        <p:txBody>
+          <a:bodyPr rtlCol="0" anchor="ctr"/>
+          <a:lstStyle/>
+          <a:p>
+            <a:pPr algn="ctr"/>
+            <a:endParaRPr lang="en-US"/>
+          </a:p>
+        </p:txBody>
+      </p:sp>
+      <p:sp>
+        <p:nvSpPr>
+          <p:cNvPr id="12" name="Oval 11">
+            <a:extLst>
+              <a:ext uri="{FF2B5EF4-FFF2-40B4-BE49-F238E27FC236}">
+                <a16:creationId xmlns:a16="http://schemas.microsoft.com/office/drawing/2014/main" id="{0A8E2568-9674-D3A4-300F-C657933672BF}"/>
+              </a:ext>
+            </a:extLst>
+          </p:cNvPr>
+          <p:cNvSpPr/>
+          <p:nvPr/>
+        </p:nvSpPr>
+        <p:spPr>
+          <a:xfrm>
+            <a:off x="4258642" y="4058306"/>
+            <a:ext cx="1574122" cy="464124"/>
+          </a:xfrm>
+          <a:prstGeom prst="ellipse">
+            <a:avLst/>
+          </a:prstGeom>
+          <a:noFill/>
+          <a:ln w="38100">
+            <a:solidFill>
+              <a:srgbClr val="FF0000"/>
+            </a:solidFill>
+          </a:ln>
+        </p:spPr>
+        <p:style>
+          <a:lnRef idx="1">
+            <a:schemeClr val="accent1"/>
+          </a:lnRef>
+          <a:fillRef idx="3">
+            <a:schemeClr val="accent1"/>
+          </a:fillRef>
+          <a:effectRef idx="2">
+            <a:schemeClr val="accent1"/>
+          </a:effectRef>
+          <a:fontRef idx="minor">
+            <a:schemeClr val="lt1"/>
+          </a:fontRef>
+        </p:style>
+        <p:txBody>
+          <a:bodyPr rtlCol="0" anchor="ctr"/>
+          <a:lstStyle/>
+          <a:p>
+            <a:pPr algn="ctr"/>
+            <a:endParaRPr lang="en-US"/>
+          </a:p>
+        </p:txBody>
+      </p:sp>
+    </p:spTree>
+    <p:extLst>
+      <p:ext uri="{BB962C8B-B14F-4D97-AF65-F5344CB8AC3E}">
+        <p14:creationId xmlns:p14="http://schemas.microsoft.com/office/powerpoint/2010/main" val="826377749"/>
+      </p:ext>
+    </p:extLst>
+  </p:cSld>
+  <p:clrMapOvr>
+    <a:masterClrMapping/>
+  </p:clrMapOvr>
+</p:sld>
+</file>
+
+<file path=ppt/slides/slide32.xml><?xml version="1.0" encoding="utf-8"?>
+<p:sld xmlns:a="http://schemas.openxmlformats.org/drawingml/2006/main" xmlns:r="http://schemas.openxmlformats.org/officeDocument/2006/relationships" xmlns:p="http://schemas.openxmlformats.org/presentationml/2006/main">
+  <p:cSld>
+    <p:spTree>
+      <p:nvGrpSpPr>
+        <p:cNvPr id="1" name=""/>
+        <p:cNvGrpSpPr/>
+        <p:nvPr/>
+      </p:nvGrpSpPr>
+      <p:grpSpPr>
+        <a:xfrm>
+          <a:off x="0" y="0"/>
+          <a:ext cx="0" cy="0"/>
+          <a:chOff x="0" y="0"/>
+          <a:chExt cx="0" cy="0"/>
+        </a:xfrm>
+      </p:grpSpPr>
+      <p:sp>
+        <p:nvSpPr>
+          <p:cNvPr id="2" name="Title 1">
+            <a:extLst>
+              <a:ext uri="{FF2B5EF4-FFF2-40B4-BE49-F238E27FC236}">
+                <a16:creationId xmlns:a16="http://schemas.microsoft.com/office/drawing/2014/main" id="{6097E3B0-E775-2BB5-2077-BFFE70A44EA5}"/>
+              </a:ext>
+            </a:extLst>
+          </p:cNvPr>
+          <p:cNvSpPr>
+            <a:spLocks noGrp="1"/>
+          </p:cNvSpPr>
+          <p:nvPr>
+            <p:ph type="title"/>
+          </p:nvPr>
+        </p:nvSpPr>
+        <p:spPr>
+          <a:xfrm>
+            <a:off x="457199" y="154644"/>
+            <a:ext cx="7766050" cy="1150353"/>
+          </a:xfrm>
+        </p:spPr>
+        <p:txBody>
+          <a:bodyPr>
+            <a:normAutofit/>
+          </a:bodyPr>
+          <a:lstStyle/>
+          <a:p>
+            <a:r>
+              <a:rPr lang="en-US" sz="4800" dirty="0"/>
+              <a:t>Learners in </a:t>
+            </a:r>
+            <a:r>
+              <a:rPr lang="en-US" sz="4800" dirty="0">
+                <a:latin typeface="Source Code Pro" panose="020B0509030403020204" pitchFamily="49" charset="77"/>
+              </a:rPr>
+              <a:t>sl3</a:t>
+            </a:r>
+          </a:p>
+        </p:txBody>
+      </p:sp>
+      <p:pic>
+        <p:nvPicPr>
+          <p:cNvPr id="5" name="Picture 4" descr="Text&#10;&#10;Description automatically generated with medium confidence">
+            <a:extLst>
+              <a:ext uri="{FF2B5EF4-FFF2-40B4-BE49-F238E27FC236}">
+                <a16:creationId xmlns:a16="http://schemas.microsoft.com/office/drawing/2014/main" id="{FD72366C-EBCF-01EC-AEBC-3CB76879DE95}"/>
+              </a:ext>
+            </a:extLst>
+          </p:cNvPr>
+          <p:cNvPicPr>
+            <a:picLocks noChangeAspect="1"/>
+          </p:cNvPicPr>
+          <p:nvPr/>
+        </p:nvPicPr>
+        <p:blipFill>
+          <a:blip r:embed="rId2"/>
+          <a:stretch>
+            <a:fillRect/>
+          </a:stretch>
+        </p:blipFill>
+        <p:spPr>
+          <a:xfrm>
+            <a:off x="2576" y="1855096"/>
+            <a:ext cx="9141424" cy="3648723"/>
+          </a:xfrm>
+          <a:prstGeom prst="rect">
+            <a:avLst/>
+          </a:prstGeom>
+        </p:spPr>
+      </p:pic>
+      <p:sp>
+        <p:nvSpPr>
+          <p:cNvPr id="7" name="Rectangle 6">
+            <a:extLst>
+              <a:ext uri="{FF2B5EF4-FFF2-40B4-BE49-F238E27FC236}">
+                <a16:creationId xmlns:a16="http://schemas.microsoft.com/office/drawing/2014/main" id="{418D19F1-7E68-3391-475A-3E90A2C1F5ED}"/>
+              </a:ext>
+            </a:extLst>
+          </p:cNvPr>
+          <p:cNvSpPr/>
+          <p:nvPr/>
+        </p:nvSpPr>
+        <p:spPr>
+          <a:xfrm>
+            <a:off x="0" y="1385456"/>
+            <a:ext cx="1424354" cy="469640"/>
+          </a:xfrm>
+          <a:prstGeom prst="rect">
+            <a:avLst/>
+          </a:prstGeom>
+          <a:solidFill>
+            <a:schemeClr val="bg1"/>
+          </a:solidFill>
+          <a:ln>
+            <a:noFill/>
+          </a:ln>
+          <a:effectLst/>
+        </p:spPr>
+        <p:style>
+          <a:lnRef idx="1">
+            <a:schemeClr val="accent1"/>
+          </a:lnRef>
+          <a:fillRef idx="3">
+            <a:schemeClr val="accent1"/>
+          </a:fillRef>
+          <a:effectRef idx="2">
+            <a:schemeClr val="accent1"/>
+          </a:effectRef>
+          <a:fontRef idx="minor">
+            <a:schemeClr val="lt1"/>
+          </a:fontRef>
+        </p:style>
+        <p:txBody>
+          <a:bodyPr rtlCol="0" anchor="ctr"/>
+          <a:lstStyle/>
+          <a:p>
+            <a:pPr algn="ctr"/>
+            <a:endParaRPr lang="en-US"/>
+          </a:p>
+        </p:txBody>
+      </p:sp>
+      <p:sp>
+        <p:nvSpPr>
+          <p:cNvPr id="8" name="Rectangle 7">
+            <a:extLst>
+              <a:ext uri="{FF2B5EF4-FFF2-40B4-BE49-F238E27FC236}">
+                <a16:creationId xmlns:a16="http://schemas.microsoft.com/office/drawing/2014/main" id="{58A4C88C-A1B4-7822-F400-E877DDD057D1}"/>
+              </a:ext>
+            </a:extLst>
+          </p:cNvPr>
+          <p:cNvSpPr/>
+          <p:nvPr/>
+        </p:nvSpPr>
+        <p:spPr>
+          <a:xfrm>
+            <a:off x="1319443" y="1187715"/>
+            <a:ext cx="6505114" cy="584775"/>
+          </a:xfrm>
+          <a:prstGeom prst="rect">
+            <a:avLst/>
+          </a:prstGeom>
+        </p:spPr>
+        <p:txBody>
+          <a:bodyPr wrap="none">
+            <a:spAutoFit/>
+          </a:bodyPr>
+          <a:lstStyle/>
+          <a:p>
+            <a:r>
+              <a:rPr lang="en-US" sz="3200" b="1" i="1" dirty="0"/>
+              <a:t>How to estimate prediction function?</a:t>
+            </a:r>
+          </a:p>
+        </p:txBody>
+      </p:sp>
+      <p:sp>
+        <p:nvSpPr>
+          <p:cNvPr id="9" name="Rectangle 8">
+            <a:extLst>
+              <a:ext uri="{FF2B5EF4-FFF2-40B4-BE49-F238E27FC236}">
+                <a16:creationId xmlns:a16="http://schemas.microsoft.com/office/drawing/2014/main" id="{5DBB97BB-C3B3-20B0-6C8E-F909731462CD}"/>
+              </a:ext>
+            </a:extLst>
+          </p:cNvPr>
+          <p:cNvSpPr/>
+          <p:nvPr/>
+        </p:nvSpPr>
+        <p:spPr>
+          <a:xfrm>
+            <a:off x="2687783" y="6323734"/>
+            <a:ext cx="5801794" cy="369332"/>
+          </a:xfrm>
+          <a:prstGeom prst="rect">
+            <a:avLst/>
+          </a:prstGeom>
+        </p:spPr>
+        <p:txBody>
+          <a:bodyPr wrap="square">
+            <a:spAutoFit/>
+          </a:bodyPr>
+          <a:lstStyle/>
+          <a:p>
+            <a:r>
+              <a:rPr lang="en-US" dirty="0">
+                <a:solidFill>
+                  <a:schemeClr val="bg1"/>
+                </a:solidFill>
+                <a:hlinkClick r:id="rId3">
+                  <a:extLst>
+                    <a:ext uri="{A12FA001-AC4F-418D-AE19-62706E023703}">
+                      <ahyp:hlinkClr xmlns:ahyp="http://schemas.microsoft.com/office/drawing/2018/hyperlinkcolor" val="tx"/>
+                    </a:ext>
+                  </a:extLst>
+                </a:hlinkClick>
+              </a:rPr>
+              <a:t>https://tlverse.org/sl3/reference/index.html#sl-learners</a:t>
+            </a:r>
+            <a:endParaRPr lang="en-US" dirty="0">
+              <a:solidFill>
+                <a:schemeClr val="bg1"/>
+              </a:solidFill>
+            </a:endParaRPr>
+          </a:p>
+        </p:txBody>
+      </p:sp>
+      <p:sp>
+        <p:nvSpPr>
+          <p:cNvPr id="4" name="Rounded Rectangle 3">
+            <a:extLst>
+              <a:ext uri="{FF2B5EF4-FFF2-40B4-BE49-F238E27FC236}">
+                <a16:creationId xmlns:a16="http://schemas.microsoft.com/office/drawing/2014/main" id="{567CE972-3278-92B3-0FA5-C04D83714D21}"/>
+              </a:ext>
+            </a:extLst>
+          </p:cNvPr>
+          <p:cNvSpPr/>
+          <p:nvPr/>
+        </p:nvSpPr>
+        <p:spPr>
+          <a:xfrm>
+            <a:off x="4461164" y="5148949"/>
+            <a:ext cx="775854" cy="464124"/>
+          </a:xfrm>
+          <a:prstGeom prst="roundRect">
+            <a:avLst/>
+          </a:prstGeom>
+          <a:noFill/>
+          <a:ln w="57150">
+            <a:solidFill>
+              <a:schemeClr val="accent6"/>
+            </a:solidFill>
+          </a:ln>
+        </p:spPr>
+        <p:style>
+          <a:lnRef idx="1">
+            <a:schemeClr val="accent1"/>
+          </a:lnRef>
+          <a:fillRef idx="3">
+            <a:schemeClr val="accent1"/>
+          </a:fillRef>
+          <a:effectRef idx="2">
+            <a:schemeClr val="accent1"/>
+          </a:effectRef>
+          <a:fontRef idx="minor">
+            <a:schemeClr val="lt1"/>
+          </a:fontRef>
+        </p:style>
+        <p:txBody>
+          <a:bodyPr rtlCol="0" anchor="ctr"/>
+          <a:lstStyle/>
+          <a:p>
+            <a:pPr algn="ctr"/>
+            <a:endParaRPr lang="en-US"/>
+          </a:p>
+        </p:txBody>
+      </p:sp>
     </p:spTree>
     <p:extLst>
       <p:ext uri="{BB962C8B-B14F-4D97-AF65-F5344CB8AC3E}">
@@ -9892,7 +10825,7 @@
 </p:sld>
 </file>
 
-<file path=ppt/slides/slide31.xml><?xml version="1.0" encoding="utf-8"?>
+<file path=ppt/slides/slide33.xml><?xml version="1.0" encoding="utf-8"?>
 <p:sld xmlns:a="http://schemas.openxmlformats.org/drawingml/2006/main" xmlns:r="http://schemas.openxmlformats.org/officeDocument/2006/relationships" xmlns:p="http://schemas.openxmlformats.org/presentationml/2006/main">
   <p:cSld>
     <p:spTree>
@@ -10559,7 +11492,7 @@
 </p:sld>
 </file>
 
-<file path=ppt/slides/slide32.xml><?xml version="1.0" encoding="utf-8"?>
+<file path=ppt/slides/slide34.xml><?xml version="1.0" encoding="utf-8"?>
 <p:sld xmlns:a="http://schemas.openxmlformats.org/drawingml/2006/main" xmlns:r="http://schemas.openxmlformats.org/officeDocument/2006/relationships" xmlns:p="http://schemas.openxmlformats.org/presentationml/2006/main">
   <p:cSld>
     <p:spTree>
@@ -10914,7 +11847,7 @@
 </p:sld>
 </file>
 
-<file path=ppt/slides/slide33.xml><?xml version="1.0" encoding="utf-8"?>
+<file path=ppt/slides/slide35.xml><?xml version="1.0" encoding="utf-8"?>
 <p:sld xmlns:a="http://schemas.openxmlformats.org/drawingml/2006/main" xmlns:r="http://schemas.openxmlformats.org/officeDocument/2006/relationships" xmlns:p="http://schemas.openxmlformats.org/presentationml/2006/main">
   <p:cSld>
     <p:spTree>
@@ -11200,7 +12133,7 @@
 </p:sld>
 </file>
 
-<file path=ppt/slides/slide34.xml><?xml version="1.0" encoding="utf-8"?>
+<file path=ppt/slides/slide36.xml><?xml version="1.0" encoding="utf-8"?>
 <p:sld xmlns:a="http://schemas.openxmlformats.org/drawingml/2006/main" xmlns:r="http://schemas.openxmlformats.org/officeDocument/2006/relationships" xmlns:p="http://schemas.openxmlformats.org/presentationml/2006/main">
   <p:cSld>
     <p:spTree>
@@ -11714,7 +12647,7 @@
 </p:sld>
 </file>
 
-<file path=ppt/slides/slide35.xml><?xml version="1.0" encoding="utf-8"?>
+<file path=ppt/slides/slide37.xml><?xml version="1.0" encoding="utf-8"?>
 <p:sld xmlns:a="http://schemas.openxmlformats.org/drawingml/2006/main" xmlns:r="http://schemas.openxmlformats.org/officeDocument/2006/relationships" xmlns:p="http://schemas.openxmlformats.org/presentationml/2006/main">
   <p:cSld>
     <p:spTree>
@@ -11832,7 +12765,7 @@
 </p:sld>
 </file>
 
-<file path=ppt/slides/slide36.xml><?xml version="1.0" encoding="utf-8"?>
+<file path=ppt/slides/slide38.xml><?xml version="1.0" encoding="utf-8"?>
 <p:sld xmlns:a="http://schemas.openxmlformats.org/drawingml/2006/main" xmlns:r="http://schemas.openxmlformats.org/officeDocument/2006/relationships" xmlns:p="http://schemas.openxmlformats.org/presentationml/2006/main">
   <p:cSld>
     <p:spTree>
@@ -12300,7 +13233,7 @@
 </p:sld>
 </file>
 
-<file path=ppt/slides/slide37.xml><?xml version="1.0" encoding="utf-8"?>
+<file path=ppt/slides/slide39.xml><?xml version="1.0" encoding="utf-8"?>
 <p:sld xmlns:a="http://schemas.openxmlformats.org/drawingml/2006/main" xmlns:r="http://schemas.openxmlformats.org/officeDocument/2006/relationships" xmlns:p="http://schemas.openxmlformats.org/presentationml/2006/main">
   <p:cSld>
     <p:spTree>
@@ -12358,7 +13291,306 @@
 </p:sld>
 </file>
 
-<file path=ppt/slides/slide38.xml><?xml version="1.0" encoding="utf-8"?>
+<file path=ppt/slides/slide4.xml><?xml version="1.0" encoding="utf-8"?>
+<p:sld xmlns:a="http://schemas.openxmlformats.org/drawingml/2006/main" xmlns:r="http://schemas.openxmlformats.org/officeDocument/2006/relationships" xmlns:p="http://schemas.openxmlformats.org/presentationml/2006/main">
+  <p:cSld>
+    <p:spTree>
+      <p:nvGrpSpPr>
+        <p:cNvPr id="1" name=""/>
+        <p:cNvGrpSpPr/>
+        <p:nvPr/>
+      </p:nvGrpSpPr>
+      <p:grpSpPr>
+        <a:xfrm>
+          <a:off x="0" y="0"/>
+          <a:ext cx="0" cy="0"/>
+          <a:chOff x="0" y="0"/>
+          <a:chExt cx="0" cy="0"/>
+        </a:xfrm>
+      </p:grpSpPr>
+      <p:sp>
+        <p:nvSpPr>
+          <p:cNvPr id="39939" name="Slide Number Placeholder 3"/>
+          <p:cNvSpPr>
+            <a:spLocks noGrp="1"/>
+          </p:cNvSpPr>
+          <p:nvPr>
+            <p:ph type="sldNum" sz="quarter" idx="4294967295"/>
+          </p:nvPr>
+        </p:nvSpPr>
+        <p:spPr>
+          <a:xfrm>
+            <a:off x="8610600" y="6356350"/>
+            <a:ext cx="2743200" cy="365125"/>
+          </a:xfrm>
+          <a:prstGeom prst="rect">
+            <a:avLst/>
+          </a:prstGeom>
+          <a:noFill/>
+          <a:ln/>
+          <a:extLst>
+            <a:ext uri="{909E8E84-426E-40dd-AFC4-6F175D3DCCD1}">
+              <a14:hiddenFill xmlns:a14="http://schemas.microsoft.com/office/drawing/2010/main" xmlns="">
+                <a:solidFill>
+                  <a:srgbClr val="FFFFFF"/>
+                </a:solidFill>
+              </a14:hiddenFill>
+            </a:ext>
+            <a:ext uri="{91240B29-F687-4f45-9708-019B960494DF}">
+              <a14:hiddenLine xmlns:a14="http://schemas.microsoft.com/office/drawing/2010/main" xmlns="" w="9525">
+                <a:solidFill>
+                  <a:srgbClr val="000000"/>
+                </a:solidFill>
+                <a:miter lim="800000"/>
+                <a:headEnd/>
+                <a:tailEnd/>
+              </a14:hiddenLine>
+            </a:ext>
+          </a:extLst>
+        </p:spPr>
+        <p:txBody>
+          <a:bodyPr vert="horz" lIns="91440" tIns="45720" rIns="91440" bIns="45720" rtlCol="0" anchor="ctr"/>
+          <a:lstStyle>
+            <a:defPPr>
+              <a:defRPr lang="en-US"/>
+            </a:defPPr>
+            <a:lvl1pPr marL="0" algn="r" defTabSz="914400" rtl="0" eaLnBrk="1" latinLnBrk="0" hangingPunct="1">
+              <a:defRPr sz="1200" kern="1200">
+                <a:solidFill>
+                  <a:schemeClr val="tx1">
+                    <a:tint val="75000"/>
+                  </a:schemeClr>
+                </a:solidFill>
+                <a:latin typeface="+mn-lt"/>
+                <a:ea typeface="+mn-ea"/>
+                <a:cs typeface="+mn-cs"/>
+              </a:defRPr>
+            </a:lvl1pPr>
+            <a:lvl2pPr marL="457200" algn="l" defTabSz="914400" rtl="0" eaLnBrk="1" latinLnBrk="0" hangingPunct="1">
+              <a:defRPr sz="1800" kern="1200">
+                <a:solidFill>
+                  <a:schemeClr val="tx1"/>
+                </a:solidFill>
+                <a:latin typeface="+mn-lt"/>
+                <a:ea typeface="+mn-ea"/>
+                <a:cs typeface="+mn-cs"/>
+              </a:defRPr>
+            </a:lvl2pPr>
+            <a:lvl3pPr marL="914400" algn="l" defTabSz="914400" rtl="0" eaLnBrk="1" latinLnBrk="0" hangingPunct="1">
+              <a:defRPr sz="1800" kern="1200">
+                <a:solidFill>
+                  <a:schemeClr val="tx1"/>
+                </a:solidFill>
+                <a:latin typeface="+mn-lt"/>
+                <a:ea typeface="+mn-ea"/>
+                <a:cs typeface="+mn-cs"/>
+              </a:defRPr>
+            </a:lvl3pPr>
+            <a:lvl4pPr marL="1371600" algn="l" defTabSz="914400" rtl="0" eaLnBrk="1" latinLnBrk="0" hangingPunct="1">
+              <a:defRPr sz="1800" kern="1200">
+                <a:solidFill>
+                  <a:schemeClr val="tx1"/>
+                </a:solidFill>
+                <a:latin typeface="+mn-lt"/>
+                <a:ea typeface="+mn-ea"/>
+                <a:cs typeface="+mn-cs"/>
+              </a:defRPr>
+            </a:lvl4pPr>
+            <a:lvl5pPr marL="1828800" algn="l" defTabSz="914400" rtl="0" eaLnBrk="1" latinLnBrk="0" hangingPunct="1">
+              <a:defRPr sz="1800" kern="1200">
+                <a:solidFill>
+                  <a:schemeClr val="tx1"/>
+                </a:solidFill>
+                <a:latin typeface="+mn-lt"/>
+                <a:ea typeface="+mn-ea"/>
+                <a:cs typeface="+mn-cs"/>
+              </a:defRPr>
+            </a:lvl5pPr>
+            <a:lvl6pPr marL="2286000" algn="l" defTabSz="914400" rtl="0" eaLnBrk="1" latinLnBrk="0" hangingPunct="1">
+              <a:defRPr sz="1800" kern="1200">
+                <a:solidFill>
+                  <a:schemeClr val="tx1"/>
+                </a:solidFill>
+                <a:latin typeface="+mn-lt"/>
+                <a:ea typeface="+mn-ea"/>
+                <a:cs typeface="+mn-cs"/>
+              </a:defRPr>
+            </a:lvl6pPr>
+            <a:lvl7pPr marL="2743200" algn="l" defTabSz="914400" rtl="0" eaLnBrk="1" latinLnBrk="0" hangingPunct="1">
+              <a:defRPr sz="1800" kern="1200">
+                <a:solidFill>
+                  <a:schemeClr val="tx1"/>
+                </a:solidFill>
+                <a:latin typeface="+mn-lt"/>
+                <a:ea typeface="+mn-ea"/>
+                <a:cs typeface="+mn-cs"/>
+              </a:defRPr>
+            </a:lvl7pPr>
+            <a:lvl8pPr marL="3200400" algn="l" defTabSz="914400" rtl="0" eaLnBrk="1" latinLnBrk="0" hangingPunct="1">
+              <a:defRPr sz="1800" kern="1200">
+                <a:solidFill>
+                  <a:schemeClr val="tx1"/>
+                </a:solidFill>
+                <a:latin typeface="+mn-lt"/>
+                <a:ea typeface="+mn-ea"/>
+                <a:cs typeface="+mn-cs"/>
+              </a:defRPr>
+            </a:lvl8pPr>
+            <a:lvl9pPr marL="3657600" algn="l" defTabSz="914400" rtl="0" eaLnBrk="1" latinLnBrk="0" hangingPunct="1">
+              <a:defRPr sz="1800" kern="1200">
+                <a:solidFill>
+                  <a:schemeClr val="tx1"/>
+                </a:solidFill>
+                <a:latin typeface="+mn-lt"/>
+                <a:ea typeface="+mn-ea"/>
+                <a:cs typeface="+mn-cs"/>
+              </a:defRPr>
+            </a:lvl9pPr>
+          </a:lstStyle>
+          <a:p>
+            <a:fld id="{0D7B26E3-CF27-EE44-9594-0515DC5E5B16}" type="slidenum">
+              <a:rPr lang="en-US" smtClean="0"/>
+              <a:pPr/>
+              <a:t>4</a:t>
+            </a:fld>
+            <a:endParaRPr lang="en-US" sz="1050" dirty="0">
+              <a:solidFill>
+                <a:schemeClr val="bg2"/>
+              </a:solidFill>
+              <a:latin typeface="Arial" charset="0"/>
+            </a:endParaRPr>
+          </a:p>
+        </p:txBody>
+      </p:sp>
+      <p:sp>
+        <p:nvSpPr>
+          <p:cNvPr id="9" name="Title 1">
+            <a:extLst>
+              <a:ext uri="{FF2B5EF4-FFF2-40B4-BE49-F238E27FC236}">
+                <a16:creationId xmlns:a16="http://schemas.microsoft.com/office/drawing/2014/main" id="{06388172-36CD-7744-A598-E4DB32397F0C}"/>
+              </a:ext>
+            </a:extLst>
+          </p:cNvPr>
+          <p:cNvSpPr>
+            <a:spLocks noGrp="1"/>
+          </p:cNvSpPr>
+          <p:nvPr>
+            <p:ph type="title"/>
+          </p:nvPr>
+        </p:nvSpPr>
+        <p:spPr>
+          <a:xfrm>
+            <a:off x="252412" y="212358"/>
+            <a:ext cx="7886700" cy="994172"/>
+          </a:xfrm>
+        </p:spPr>
+        <p:txBody>
+          <a:bodyPr>
+            <a:normAutofit/>
+          </a:bodyPr>
+          <a:lstStyle/>
+          <a:p>
+            <a:r>
+              <a:rPr lang="en-US" sz="4400" dirty="0"/>
+              <a:t>Super Learner (SL)</a:t>
+            </a:r>
+          </a:p>
+        </p:txBody>
+      </p:sp>
+      <p:pic>
+        <p:nvPicPr>
+          <p:cNvPr id="7" name="Picture 6" descr="Diagram&#10;&#10;Description automatically generated">
+            <a:extLst>
+              <a:ext uri="{FF2B5EF4-FFF2-40B4-BE49-F238E27FC236}">
+                <a16:creationId xmlns:a16="http://schemas.microsoft.com/office/drawing/2014/main" id="{085A979A-37A4-244D-679A-A003DD53CA67}"/>
+              </a:ext>
+            </a:extLst>
+          </p:cNvPr>
+          <p:cNvPicPr>
+            <a:picLocks noChangeAspect="1"/>
+          </p:cNvPicPr>
+          <p:nvPr/>
+        </p:nvPicPr>
+        <p:blipFill rotWithShape="1">
+          <a:blip r:embed="rId3"/>
+          <a:srcRect l="4279"/>
+          <a:stretch/>
+        </p:blipFill>
+        <p:spPr>
+          <a:xfrm>
+            <a:off x="0" y="1206530"/>
+            <a:ext cx="9144000" cy="5777048"/>
+          </a:xfrm>
+          <a:prstGeom prst="rect">
+            <a:avLst/>
+          </a:prstGeom>
+        </p:spPr>
+      </p:pic>
+      <p:sp>
+        <p:nvSpPr>
+          <p:cNvPr id="5" name="Rectangle 4">
+            <a:extLst>
+              <a:ext uri="{FF2B5EF4-FFF2-40B4-BE49-F238E27FC236}">
+                <a16:creationId xmlns:a16="http://schemas.microsoft.com/office/drawing/2014/main" id="{82DD8C6E-FB65-63B9-F31B-946BFA6A1BFC}"/>
+              </a:ext>
+            </a:extLst>
+          </p:cNvPr>
+          <p:cNvSpPr/>
+          <p:nvPr/>
+        </p:nvSpPr>
+        <p:spPr>
+          <a:xfrm>
+            <a:off x="6541477" y="1206530"/>
+            <a:ext cx="3411415" cy="5777048"/>
+          </a:xfrm>
+          <a:prstGeom prst="rect">
+            <a:avLst/>
+          </a:prstGeom>
+          <a:solidFill>
+            <a:schemeClr val="bg1"/>
+          </a:solidFill>
+          <a:ln>
+            <a:noFill/>
+          </a:ln>
+          <a:effectLst/>
+        </p:spPr>
+        <p:style>
+          <a:lnRef idx="1">
+            <a:schemeClr val="accent1"/>
+          </a:lnRef>
+          <a:fillRef idx="3">
+            <a:schemeClr val="accent1"/>
+          </a:fillRef>
+          <a:effectRef idx="2">
+            <a:schemeClr val="accent1"/>
+          </a:effectRef>
+          <a:fontRef idx="minor">
+            <a:schemeClr val="lt1"/>
+          </a:fontRef>
+        </p:style>
+        <p:txBody>
+          <a:bodyPr rtlCol="0" anchor="ctr"/>
+          <a:lstStyle/>
+          <a:p>
+            <a:pPr algn="ctr"/>
+            <a:endParaRPr lang="en-US"/>
+          </a:p>
+        </p:txBody>
+      </p:sp>
+    </p:spTree>
+    <p:extLst>
+      <p:ext uri="{BB962C8B-B14F-4D97-AF65-F5344CB8AC3E}">
+        <p14:creationId xmlns:p14="http://schemas.microsoft.com/office/powerpoint/2010/main" val="2950663779"/>
+      </p:ext>
+    </p:extLst>
+  </p:cSld>
+  <p:clrMapOvr>
+    <a:masterClrMapping/>
+  </p:clrMapOvr>
+</p:sld>
+</file>
+
+<file path=ppt/slides/slide40.xml><?xml version="1.0" encoding="utf-8"?>
 <p:sld xmlns:a="http://schemas.openxmlformats.org/drawingml/2006/main" xmlns:r="http://schemas.openxmlformats.org/officeDocument/2006/relationships" xmlns:p="http://schemas.openxmlformats.org/presentationml/2006/main">
   <p:cSld>
     <p:spTree>
@@ -12613,7 +13845,7 @@
 </p:sld>
 </file>
 
-<file path=ppt/slides/slide39.xml><?xml version="1.0" encoding="utf-8"?>
+<file path=ppt/slides/slide41.xml><?xml version="1.0" encoding="utf-8"?>
 <p:sld xmlns:a="http://schemas.openxmlformats.org/drawingml/2006/main" xmlns:r="http://schemas.openxmlformats.org/officeDocument/2006/relationships" xmlns:p="http://schemas.openxmlformats.org/presentationml/2006/main">
   <p:cSld>
     <p:spTree>
@@ -12727,306 +13959,7 @@
 </p:sld>
 </file>
 
-<file path=ppt/slides/slide4.xml><?xml version="1.0" encoding="utf-8"?>
-<p:sld xmlns:a="http://schemas.openxmlformats.org/drawingml/2006/main" xmlns:r="http://schemas.openxmlformats.org/officeDocument/2006/relationships" xmlns:p="http://schemas.openxmlformats.org/presentationml/2006/main">
-  <p:cSld>
-    <p:spTree>
-      <p:nvGrpSpPr>
-        <p:cNvPr id="1" name=""/>
-        <p:cNvGrpSpPr/>
-        <p:nvPr/>
-      </p:nvGrpSpPr>
-      <p:grpSpPr>
-        <a:xfrm>
-          <a:off x="0" y="0"/>
-          <a:ext cx="0" cy="0"/>
-          <a:chOff x="0" y="0"/>
-          <a:chExt cx="0" cy="0"/>
-        </a:xfrm>
-      </p:grpSpPr>
-      <p:sp>
-        <p:nvSpPr>
-          <p:cNvPr id="39939" name="Slide Number Placeholder 3"/>
-          <p:cNvSpPr>
-            <a:spLocks noGrp="1"/>
-          </p:cNvSpPr>
-          <p:nvPr>
-            <p:ph type="sldNum" sz="quarter" idx="4294967295"/>
-          </p:nvPr>
-        </p:nvSpPr>
-        <p:spPr>
-          <a:xfrm>
-            <a:off x="8610600" y="6356350"/>
-            <a:ext cx="2743200" cy="365125"/>
-          </a:xfrm>
-          <a:prstGeom prst="rect">
-            <a:avLst/>
-          </a:prstGeom>
-          <a:noFill/>
-          <a:ln/>
-          <a:extLst>
-            <a:ext uri="{909E8E84-426E-40dd-AFC4-6F175D3DCCD1}">
-              <a14:hiddenFill xmlns="" xmlns:a14="http://schemas.microsoft.com/office/drawing/2010/main">
-                <a:solidFill>
-                  <a:srgbClr val="FFFFFF"/>
-                </a:solidFill>
-              </a14:hiddenFill>
-            </a:ext>
-            <a:ext uri="{91240B29-F687-4f45-9708-019B960494DF}">
-              <a14:hiddenLine xmlns="" xmlns:a14="http://schemas.microsoft.com/office/drawing/2010/main" w="9525">
-                <a:solidFill>
-                  <a:srgbClr val="000000"/>
-                </a:solidFill>
-                <a:miter lim="800000"/>
-                <a:headEnd/>
-                <a:tailEnd/>
-              </a14:hiddenLine>
-            </a:ext>
-          </a:extLst>
-        </p:spPr>
-        <p:txBody>
-          <a:bodyPr vert="horz" lIns="91440" tIns="45720" rIns="91440" bIns="45720" rtlCol="0" anchor="ctr"/>
-          <a:lstStyle>
-            <a:defPPr>
-              <a:defRPr lang="en-US"/>
-            </a:defPPr>
-            <a:lvl1pPr marL="0" algn="r" defTabSz="914400" rtl="0" eaLnBrk="1" latinLnBrk="0" hangingPunct="1">
-              <a:defRPr sz="1200" kern="1200">
-                <a:solidFill>
-                  <a:schemeClr val="tx1">
-                    <a:tint val="75000"/>
-                  </a:schemeClr>
-                </a:solidFill>
-                <a:latin typeface="+mn-lt"/>
-                <a:ea typeface="+mn-ea"/>
-                <a:cs typeface="+mn-cs"/>
-              </a:defRPr>
-            </a:lvl1pPr>
-            <a:lvl2pPr marL="457200" algn="l" defTabSz="914400" rtl="0" eaLnBrk="1" latinLnBrk="0" hangingPunct="1">
-              <a:defRPr sz="1800" kern="1200">
-                <a:solidFill>
-                  <a:schemeClr val="tx1"/>
-                </a:solidFill>
-                <a:latin typeface="+mn-lt"/>
-                <a:ea typeface="+mn-ea"/>
-                <a:cs typeface="+mn-cs"/>
-              </a:defRPr>
-            </a:lvl2pPr>
-            <a:lvl3pPr marL="914400" algn="l" defTabSz="914400" rtl="0" eaLnBrk="1" latinLnBrk="0" hangingPunct="1">
-              <a:defRPr sz="1800" kern="1200">
-                <a:solidFill>
-                  <a:schemeClr val="tx1"/>
-                </a:solidFill>
-                <a:latin typeface="+mn-lt"/>
-                <a:ea typeface="+mn-ea"/>
-                <a:cs typeface="+mn-cs"/>
-              </a:defRPr>
-            </a:lvl3pPr>
-            <a:lvl4pPr marL="1371600" algn="l" defTabSz="914400" rtl="0" eaLnBrk="1" latinLnBrk="0" hangingPunct="1">
-              <a:defRPr sz="1800" kern="1200">
-                <a:solidFill>
-                  <a:schemeClr val="tx1"/>
-                </a:solidFill>
-                <a:latin typeface="+mn-lt"/>
-                <a:ea typeface="+mn-ea"/>
-                <a:cs typeface="+mn-cs"/>
-              </a:defRPr>
-            </a:lvl4pPr>
-            <a:lvl5pPr marL="1828800" algn="l" defTabSz="914400" rtl="0" eaLnBrk="1" latinLnBrk="0" hangingPunct="1">
-              <a:defRPr sz="1800" kern="1200">
-                <a:solidFill>
-                  <a:schemeClr val="tx1"/>
-                </a:solidFill>
-                <a:latin typeface="+mn-lt"/>
-                <a:ea typeface="+mn-ea"/>
-                <a:cs typeface="+mn-cs"/>
-              </a:defRPr>
-            </a:lvl5pPr>
-            <a:lvl6pPr marL="2286000" algn="l" defTabSz="914400" rtl="0" eaLnBrk="1" latinLnBrk="0" hangingPunct="1">
-              <a:defRPr sz="1800" kern="1200">
-                <a:solidFill>
-                  <a:schemeClr val="tx1"/>
-                </a:solidFill>
-                <a:latin typeface="+mn-lt"/>
-                <a:ea typeface="+mn-ea"/>
-                <a:cs typeface="+mn-cs"/>
-              </a:defRPr>
-            </a:lvl6pPr>
-            <a:lvl7pPr marL="2743200" algn="l" defTabSz="914400" rtl="0" eaLnBrk="1" latinLnBrk="0" hangingPunct="1">
-              <a:defRPr sz="1800" kern="1200">
-                <a:solidFill>
-                  <a:schemeClr val="tx1"/>
-                </a:solidFill>
-                <a:latin typeface="+mn-lt"/>
-                <a:ea typeface="+mn-ea"/>
-                <a:cs typeface="+mn-cs"/>
-              </a:defRPr>
-            </a:lvl7pPr>
-            <a:lvl8pPr marL="3200400" algn="l" defTabSz="914400" rtl="0" eaLnBrk="1" latinLnBrk="0" hangingPunct="1">
-              <a:defRPr sz="1800" kern="1200">
-                <a:solidFill>
-                  <a:schemeClr val="tx1"/>
-                </a:solidFill>
-                <a:latin typeface="+mn-lt"/>
-                <a:ea typeface="+mn-ea"/>
-                <a:cs typeface="+mn-cs"/>
-              </a:defRPr>
-            </a:lvl8pPr>
-            <a:lvl9pPr marL="3657600" algn="l" defTabSz="914400" rtl="0" eaLnBrk="1" latinLnBrk="0" hangingPunct="1">
-              <a:defRPr sz="1800" kern="1200">
-                <a:solidFill>
-                  <a:schemeClr val="tx1"/>
-                </a:solidFill>
-                <a:latin typeface="+mn-lt"/>
-                <a:ea typeface="+mn-ea"/>
-                <a:cs typeface="+mn-cs"/>
-              </a:defRPr>
-            </a:lvl9pPr>
-          </a:lstStyle>
-          <a:p>
-            <a:fld id="{0D7B26E3-CF27-EE44-9594-0515DC5E5B16}" type="slidenum">
-              <a:rPr lang="en-US" smtClean="0"/>
-              <a:pPr/>
-              <a:t>4</a:t>
-            </a:fld>
-            <a:endParaRPr lang="en-US" sz="1050" dirty="0">
-              <a:solidFill>
-                <a:schemeClr val="bg2"/>
-              </a:solidFill>
-              <a:latin typeface="Arial" charset="0"/>
-            </a:endParaRPr>
-          </a:p>
-        </p:txBody>
-      </p:sp>
-      <p:sp>
-        <p:nvSpPr>
-          <p:cNvPr id="9" name="Title 1">
-            <a:extLst>
-              <a:ext uri="{FF2B5EF4-FFF2-40B4-BE49-F238E27FC236}">
-                <a16:creationId xmlns:a16="http://schemas.microsoft.com/office/drawing/2014/main" id="{06388172-36CD-7744-A598-E4DB32397F0C}"/>
-              </a:ext>
-            </a:extLst>
-          </p:cNvPr>
-          <p:cNvSpPr>
-            <a:spLocks noGrp="1"/>
-          </p:cNvSpPr>
-          <p:nvPr>
-            <p:ph type="title"/>
-          </p:nvPr>
-        </p:nvSpPr>
-        <p:spPr>
-          <a:xfrm>
-            <a:off x="252412" y="212358"/>
-            <a:ext cx="7886700" cy="994172"/>
-          </a:xfrm>
-        </p:spPr>
-        <p:txBody>
-          <a:bodyPr>
-            <a:normAutofit/>
-          </a:bodyPr>
-          <a:lstStyle/>
-          <a:p>
-            <a:r>
-              <a:rPr lang="en-US" sz="4400" dirty="0"/>
-              <a:t>Super Learner (SL)</a:t>
-            </a:r>
-          </a:p>
-        </p:txBody>
-      </p:sp>
-      <p:pic>
-        <p:nvPicPr>
-          <p:cNvPr id="7" name="Picture 6" descr="Diagram&#10;&#10;Description automatically generated">
-            <a:extLst>
-              <a:ext uri="{FF2B5EF4-FFF2-40B4-BE49-F238E27FC236}">
-                <a16:creationId xmlns:a16="http://schemas.microsoft.com/office/drawing/2014/main" id="{085A979A-37A4-244D-679A-A003DD53CA67}"/>
-              </a:ext>
-            </a:extLst>
-          </p:cNvPr>
-          <p:cNvPicPr>
-            <a:picLocks noChangeAspect="1"/>
-          </p:cNvPicPr>
-          <p:nvPr/>
-        </p:nvPicPr>
-        <p:blipFill rotWithShape="1">
-          <a:blip r:embed="rId3"/>
-          <a:srcRect l="4279"/>
-          <a:stretch/>
-        </p:blipFill>
-        <p:spPr>
-          <a:xfrm>
-            <a:off x="0" y="1206530"/>
-            <a:ext cx="9144000" cy="5777048"/>
-          </a:xfrm>
-          <a:prstGeom prst="rect">
-            <a:avLst/>
-          </a:prstGeom>
-        </p:spPr>
-      </p:pic>
-      <p:sp>
-        <p:nvSpPr>
-          <p:cNvPr id="5" name="Rectangle 4">
-            <a:extLst>
-              <a:ext uri="{FF2B5EF4-FFF2-40B4-BE49-F238E27FC236}">
-                <a16:creationId xmlns:a16="http://schemas.microsoft.com/office/drawing/2014/main" id="{82DD8C6E-FB65-63B9-F31B-946BFA6A1BFC}"/>
-              </a:ext>
-            </a:extLst>
-          </p:cNvPr>
-          <p:cNvSpPr/>
-          <p:nvPr/>
-        </p:nvSpPr>
-        <p:spPr>
-          <a:xfrm>
-            <a:off x="6541477" y="1206530"/>
-            <a:ext cx="3411415" cy="5777048"/>
-          </a:xfrm>
-          <a:prstGeom prst="rect">
-            <a:avLst/>
-          </a:prstGeom>
-          <a:solidFill>
-            <a:schemeClr val="bg1"/>
-          </a:solidFill>
-          <a:ln>
-            <a:noFill/>
-          </a:ln>
-          <a:effectLst/>
-        </p:spPr>
-        <p:style>
-          <a:lnRef idx="1">
-            <a:schemeClr val="accent1"/>
-          </a:lnRef>
-          <a:fillRef idx="3">
-            <a:schemeClr val="accent1"/>
-          </a:fillRef>
-          <a:effectRef idx="2">
-            <a:schemeClr val="accent1"/>
-          </a:effectRef>
-          <a:fontRef idx="minor">
-            <a:schemeClr val="lt1"/>
-          </a:fontRef>
-        </p:style>
-        <p:txBody>
-          <a:bodyPr rtlCol="0" anchor="ctr"/>
-          <a:lstStyle/>
-          <a:p>
-            <a:pPr algn="ctr"/>
-            <a:endParaRPr lang="en-US"/>
-          </a:p>
-        </p:txBody>
-      </p:sp>
-    </p:spTree>
-    <p:extLst>
-      <p:ext uri="{BB962C8B-B14F-4D97-AF65-F5344CB8AC3E}">
-        <p14:creationId xmlns:p14="http://schemas.microsoft.com/office/powerpoint/2010/main" val="2950663779"/>
-      </p:ext>
-    </p:extLst>
-  </p:cSld>
-  <p:clrMapOvr>
-    <a:masterClrMapping/>
-  </p:clrMapOvr>
-</p:sld>
-</file>
-
-<file path=ppt/slides/slide40.xml><?xml version="1.0" encoding="utf-8"?>
+<file path=ppt/slides/slide42.xml><?xml version="1.0" encoding="utf-8"?>
 <p:sld xmlns:a="http://schemas.openxmlformats.org/drawingml/2006/main" xmlns:r="http://schemas.openxmlformats.org/officeDocument/2006/relationships" xmlns:p="http://schemas.openxmlformats.org/presentationml/2006/main">
   <p:cSld>
     <p:spTree>
@@ -13491,7 +14424,7 @@
 </p:sld>
 </file>
 
-<file path=ppt/slides/slide41.xml><?xml version="1.0" encoding="utf-8"?>
+<file path=ppt/slides/slide43.xml><?xml version="1.0" encoding="utf-8"?>
 <p:sld xmlns:a="http://schemas.openxmlformats.org/drawingml/2006/main" xmlns:r="http://schemas.openxmlformats.org/officeDocument/2006/relationships" xmlns:p="http://schemas.openxmlformats.org/presentationml/2006/main">
   <p:cSld>
     <p:spTree>
@@ -13524,14 +14457,19 @@
             <p:ph type="title"/>
           </p:nvPr>
         </p:nvSpPr>
-        <p:spPr/>
+        <p:spPr>
+          <a:xfrm>
+            <a:off x="568325" y="1442709"/>
+            <a:ext cx="7772400" cy="1675474"/>
+          </a:xfrm>
+        </p:spPr>
         <p:txBody>
           <a:bodyPr/>
           <a:lstStyle/>
           <a:p>
             <a:r>
               <a:rPr lang="en-US" dirty="0"/>
-              <a:t>Live coding exercise with </a:t>
+              <a:t>Exercise: Training a super learner with </a:t>
             </a:r>
             <a:r>
               <a:rPr lang="en-US" sz="4400" dirty="0">
@@ -13568,7 +14506,7 @@
         </p:spPr>
         <p:txBody>
           <a:bodyPr vert="horz" lIns="91440" tIns="45720" rIns="91440" bIns="45720" rtlCol="0" anchor="b">
-            <a:normAutofit fontScale="77500" lnSpcReduction="20000"/>
+            <a:normAutofit fontScale="92500" lnSpcReduction="10000"/>
           </a:bodyPr>
           <a:lstStyle>
             <a:lvl1pPr marL="0" indent="0" algn="l" defTabSz="457200" rtl="0" eaLnBrk="1" latinLnBrk="0" hangingPunct="1">
@@ -13725,36 +14663,36 @@
           </a:lstStyle>
           <a:p>
             <a:r>
-              <a:rPr lang="en-US" dirty="0">
+              <a:rPr lang="en-US" sz="1800" dirty="0">
                 <a:hlinkClick r:id="rId2"/>
               </a:rPr>
               <a:t>https://tlverse.org/tlverse-handbook/sl3.html</a:t>
             </a:r>
-            <a:endParaRPr lang="en-US" dirty="0"/>
-          </a:p>
-          <a:p>
-            <a:endParaRPr lang="en-US" dirty="0"/>
-          </a:p>
-          <a:p>
-            <a:r>
-              <a:rPr lang="en-US" dirty="0">
+            <a:endParaRPr lang="en-US" sz="1800" dirty="0"/>
+          </a:p>
+          <a:p>
+            <a:endParaRPr lang="en-US" sz="1800" dirty="0"/>
+          </a:p>
+          <a:p>
+            <a:r>
+              <a:rPr lang="en-US" sz="1800" dirty="0">
                 <a:hlinkClick r:id="rId3"/>
               </a:rPr>
               <a:t>http://</a:t>
             </a:r>
             <a:r>
-              <a:rPr lang="en-US" dirty="0" err="1">
+              <a:rPr lang="en-US" sz="1800" dirty="0" err="1">
                 <a:hlinkClick r:id="rId3"/>
               </a:rPr>
               <a:t>tlverse.org</a:t>
             </a:r>
             <a:r>
-              <a:rPr lang="en-US" dirty="0">
+              <a:rPr lang="en-US" sz="1800" dirty="0">
                 <a:hlinkClick r:id="rId3"/>
               </a:rPr>
               <a:t>/enar2023-workshop/sl3.html</a:t>
             </a:r>
-            <a:endParaRPr lang="en-US" dirty="0"/>
+            <a:endParaRPr lang="en-US" sz="1800" dirty="0"/>
           </a:p>
         </p:txBody>
       </p:sp>
@@ -13810,14 +14748,14 @@
           <a:ln/>
           <a:extLst>
             <a:ext uri="{909E8E84-426E-40dd-AFC4-6F175D3DCCD1}">
-              <a14:hiddenFill xmlns="" xmlns:a14="http://schemas.microsoft.com/office/drawing/2010/main">
+              <a14:hiddenFill xmlns:a14="http://schemas.microsoft.com/office/drawing/2010/main" xmlns="">
                 <a:solidFill>
                   <a:srgbClr val="FFFFFF"/>
                 </a:solidFill>
               </a14:hiddenFill>
             </a:ext>
             <a:ext uri="{91240B29-F687-4f45-9708-019B960494DF}">
-              <a14:hiddenLine xmlns="" xmlns:a14="http://schemas.microsoft.com/office/drawing/2010/main" w="9525">
+              <a14:hiddenLine xmlns:a14="http://schemas.microsoft.com/office/drawing/2010/main" xmlns="" w="9525">
                 <a:solidFill>
                   <a:srgbClr val="000000"/>
                 </a:solidFill>
@@ -14632,14 +15570,14 @@
           <a:ln/>
           <a:extLst>
             <a:ext uri="{909E8E84-426E-40dd-AFC4-6F175D3DCCD1}">
-              <a14:hiddenFill xmlns="" xmlns:a14="http://schemas.microsoft.com/office/drawing/2010/main">
+              <a14:hiddenFill xmlns:a14="http://schemas.microsoft.com/office/drawing/2010/main" xmlns="">
                 <a:solidFill>
                   <a:srgbClr val="FFFFFF"/>
                 </a:solidFill>
               </a14:hiddenFill>
             </a:ext>
             <a:ext uri="{91240B29-F687-4f45-9708-019B960494DF}">
-              <a14:hiddenLine xmlns="" xmlns:a14="http://schemas.microsoft.com/office/drawing/2010/main" w="9525">
+              <a14:hiddenLine xmlns:a14="http://schemas.microsoft.com/office/drawing/2010/main" xmlns="" w="9525">
                 <a:solidFill>
                   <a:srgbClr val="000000"/>
                 </a:solidFill>

--- a/slides/SL.pptx
+++ b/slides/SL.pptx
@@ -731,71 +731,6 @@
           <a:bodyPr/>
           <a:lstStyle/>
           <a:p>
-            <a:r>
-              <a:rPr lang="en-US" dirty="0"/>
-              <a:t>Explain R6 in terms of how they will interact with it, </a:t>
-            </a:r>
-            <a:r>
-              <a:rPr lang="en-US" dirty="0" err="1"/>
-              <a:t>eg</a:t>
-            </a:r>
-            <a:r>
-              <a:rPr lang="en-US" dirty="0"/>
-              <a:t> </a:t>
-            </a:r>
-            <a:r>
-              <a:rPr lang="en-US" dirty="0" err="1"/>
-              <a:t>Lrnr_rf$train</a:t>
-            </a:r>
-            <a:r>
-              <a:rPr lang="en-US" dirty="0"/>
-              <a:t> vs </a:t>
-            </a:r>
-            <a:r>
-              <a:rPr lang="en-US" dirty="0" err="1"/>
-              <a:t>randomForest</a:t>
-            </a:r>
-            <a:endParaRPr lang="en-US" dirty="0"/>
-          </a:p>
-          <a:p>
-            <a:r>
-              <a:rPr lang="en-US" dirty="0"/>
-              <a:t>what you can do with trained learners, </a:t>
-            </a:r>
-            <a:r>
-              <a:rPr lang="en-US" dirty="0" err="1"/>
-              <a:t>eg</a:t>
-            </a:r>
-            <a:r>
-              <a:rPr lang="en-US" dirty="0"/>
-              <a:t> predict, importance, </a:t>
-            </a:r>
-          </a:p>
-          <a:p>
-            <a:r>
-              <a:rPr lang="en-US" dirty="0"/>
-              <a:t>S4 methods bundled at class level, </a:t>
-            </a:r>
-            <a:r>
-              <a:rPr lang="en-US" dirty="0" err="1"/>
-              <a:t>eg</a:t>
-            </a:r>
-            <a:r>
-              <a:rPr lang="en-US" dirty="0"/>
-              <a:t> </a:t>
-            </a:r>
-            <a:r>
-              <a:rPr lang="en-US" dirty="0" err="1"/>
-              <a:t>predict.randomForest</a:t>
-            </a:r>
-            <a:r>
-              <a:rPr lang="en-US" dirty="0"/>
-              <a:t>, instead </a:t>
-            </a:r>
-            <a:r>
-              <a:rPr lang="en-US"/>
-              <a:t>of class level</a:t>
-            </a:r>
             <a:endParaRPr lang="en-US" dirty="0"/>
           </a:p>
         </p:txBody>
@@ -9457,14 +9392,14 @@
           <a:ln/>
           <a:extLst>
             <a:ext uri="{909E8E84-426E-40dd-AFC4-6F175D3DCCD1}">
-              <a14:hiddenFill xmlns:a14="http://schemas.microsoft.com/office/drawing/2010/main" xmlns="">
+              <a14:hiddenFill xmlns="" xmlns:a14="http://schemas.microsoft.com/office/drawing/2010/main">
                 <a:solidFill>
                   <a:srgbClr val="FFFFFF"/>
                 </a:solidFill>
               </a14:hiddenFill>
             </a:ext>
             <a:ext uri="{91240B29-F687-4f45-9708-019B960494DF}">
-              <a14:hiddenLine xmlns:a14="http://schemas.microsoft.com/office/drawing/2010/main" xmlns="" w="9525">
+              <a14:hiddenLine xmlns="" xmlns:a14="http://schemas.microsoft.com/office/drawing/2010/main" w="9525">
                 <a:solidFill>
                   <a:srgbClr val="000000"/>
                 </a:solidFill>
@@ -13330,14 +13265,14 @@
           <a:ln/>
           <a:extLst>
             <a:ext uri="{909E8E84-426E-40dd-AFC4-6F175D3DCCD1}">
-              <a14:hiddenFill xmlns:a14="http://schemas.microsoft.com/office/drawing/2010/main" xmlns="">
+              <a14:hiddenFill xmlns="" xmlns:a14="http://schemas.microsoft.com/office/drawing/2010/main">
                 <a:solidFill>
                   <a:srgbClr val="FFFFFF"/>
                 </a:solidFill>
               </a14:hiddenFill>
             </a:ext>
             <a:ext uri="{91240B29-F687-4f45-9708-019B960494DF}">
-              <a14:hiddenLine xmlns:a14="http://schemas.microsoft.com/office/drawing/2010/main" xmlns="" w="9525">
+              <a14:hiddenLine xmlns="" xmlns:a14="http://schemas.microsoft.com/office/drawing/2010/main" w="9525">
                 <a:solidFill>
                   <a:srgbClr val="000000"/>
                 </a:solidFill>
@@ -14748,14 +14683,14 @@
           <a:ln/>
           <a:extLst>
             <a:ext uri="{909E8E84-426E-40dd-AFC4-6F175D3DCCD1}">
-              <a14:hiddenFill xmlns:a14="http://schemas.microsoft.com/office/drawing/2010/main" xmlns="">
+              <a14:hiddenFill xmlns="" xmlns:a14="http://schemas.microsoft.com/office/drawing/2010/main">
                 <a:solidFill>
                   <a:srgbClr val="FFFFFF"/>
                 </a:solidFill>
               </a14:hiddenFill>
             </a:ext>
             <a:ext uri="{91240B29-F687-4f45-9708-019B960494DF}">
-              <a14:hiddenLine xmlns:a14="http://schemas.microsoft.com/office/drawing/2010/main" xmlns="" w="9525">
+              <a14:hiddenLine xmlns="" xmlns:a14="http://schemas.microsoft.com/office/drawing/2010/main" w="9525">
                 <a:solidFill>
                   <a:srgbClr val="000000"/>
                 </a:solidFill>
@@ -15570,14 +15505,14 @@
           <a:ln/>
           <a:extLst>
             <a:ext uri="{909E8E84-426E-40dd-AFC4-6F175D3DCCD1}">
-              <a14:hiddenFill xmlns:a14="http://schemas.microsoft.com/office/drawing/2010/main" xmlns="">
+              <a14:hiddenFill xmlns="" xmlns:a14="http://schemas.microsoft.com/office/drawing/2010/main">
                 <a:solidFill>
                   <a:srgbClr val="FFFFFF"/>
                 </a:solidFill>
               </a14:hiddenFill>
             </a:ext>
             <a:ext uri="{91240B29-F687-4f45-9708-019B960494DF}">
-              <a14:hiddenLine xmlns:a14="http://schemas.microsoft.com/office/drawing/2010/main" xmlns="" w="9525">
+              <a14:hiddenLine xmlns="" xmlns:a14="http://schemas.microsoft.com/office/drawing/2010/main" w="9525">
                 <a:solidFill>
                   <a:srgbClr val="000000"/>
                 </a:solidFill>

--- a/slides/SL.pptx
+++ b/slides/SL.pptx
@@ -5,10 +5,10 @@
     <p:sldMasterId id="2147483672" r:id="rId1"/>
   </p:sldMasterIdLst>
   <p:notesMasterIdLst>
-    <p:notesMasterId r:id="rId45"/>
+    <p:notesMasterId r:id="rId44"/>
   </p:notesMasterIdLst>
   <p:handoutMasterIdLst>
-    <p:handoutMasterId r:id="rId46"/>
+    <p:handoutMasterId r:id="rId45"/>
   </p:handoutMasterIdLst>
   <p:sldIdLst>
     <p:sldId id="265" r:id="rId2"/>
@@ -51,9 +51,8 @@
     <p:sldId id="1772" r:id="rId39"/>
     <p:sldId id="1778" r:id="rId40"/>
     <p:sldId id="1776" r:id="rId41"/>
-    <p:sldId id="1775" r:id="rId42"/>
-    <p:sldId id="1777" r:id="rId43"/>
-    <p:sldId id="1773" r:id="rId44"/>
+    <p:sldId id="1777" r:id="rId42"/>
+    <p:sldId id="1773" r:id="rId43"/>
   </p:sldIdLst>
   <p:sldSz cx="9144000" cy="6858000" type="screen4x3"/>
   <p:notesSz cx="6858000" cy="9144000"/>
@@ -4939,14 +4938,13 @@
           <a:p>
             <a:r>
               <a:rPr lang="en-US" sz="2400" dirty="0"/>
-              <a:t>Mitigate statistical model misspecification</a:t>
-            </a:r>
-          </a:p>
-          <a:p>
-            <a:r>
-              <a:rPr lang="en-US" sz="2400" dirty="0"/>
-              <a:t>Asymptotic linearity of an accompanying estimator</a:t>
-            </a:r>
+              <a:t>Mitigate statistical </a:t>
+            </a:r>
+            <a:r>
+              <a:rPr lang="en-US" sz="2400"/>
+              <a:t>model misspecification</a:t>
+            </a:r>
+            <a:endParaRPr lang="en-US" sz="2400" dirty="0"/>
           </a:p>
         </p:txBody>
       </p:sp>
@@ -5193,55 +5191,6 @@
                                           <p:spTgt spid="3">
                                             <p:txEl>
                                               <p:pRg st="4" end="4"/>
-                                            </p:txEl>
-                                          </p:spTgt>
-                                        </p:tgtEl>
-                                        <p:attrNameLst>
-                                          <p:attrName>style.visibility</p:attrName>
-                                        </p:attrNameLst>
-                                      </p:cBhvr>
-                                      <p:to>
-                                        <p:strVal val="visible"/>
-                                      </p:to>
-                                    </p:set>
-                                  </p:childTnLst>
-                                </p:cTn>
-                              </p:par>
-                            </p:childTnLst>
-                          </p:cTn>
-                        </p:par>
-                      </p:childTnLst>
-                    </p:cTn>
-                  </p:par>
-                  <p:par>
-                    <p:cTn id="23" fill="hold">
-                      <p:stCondLst>
-                        <p:cond delay="indefinite"/>
-                      </p:stCondLst>
-                      <p:childTnLst>
-                        <p:par>
-                          <p:cTn id="24" fill="hold">
-                            <p:stCondLst>
-                              <p:cond delay="0"/>
-                            </p:stCondLst>
-                            <p:childTnLst>
-                              <p:par>
-                                <p:cTn id="25" presetID="1" presetClass="entr" presetSubtype="0" fill="hold" grpId="0" nodeType="clickEffect">
-                                  <p:stCondLst>
-                                    <p:cond delay="0"/>
-                                  </p:stCondLst>
-                                  <p:childTnLst>
-                                    <p:set>
-                                      <p:cBhvr>
-                                        <p:cTn id="26" dur="1" fill="hold">
-                                          <p:stCondLst>
-                                            <p:cond delay="0"/>
-                                          </p:stCondLst>
-                                        </p:cTn>
-                                        <p:tgtEl>
-                                          <p:spTgt spid="3">
-                                            <p:txEl>
-                                              <p:pRg st="5" end="5"/>
                                             </p:txEl>
                                           </p:spTgt>
                                         </p:tgtEl>
@@ -13850,120 +13799,6 @@
         </p:nvSpPr>
         <p:spPr>
           <a:xfrm>
-            <a:off x="457200" y="1462044"/>
-            <a:ext cx="7740650" cy="3933912"/>
-          </a:xfrm>
-        </p:spPr>
-        <p:txBody>
-          <a:bodyPr>
-            <a:normAutofit/>
-          </a:bodyPr>
-          <a:lstStyle/>
-          <a:p>
-            <a:r>
-              <a:rPr lang="en-US" sz="2400" dirty="0"/>
-              <a:t>Groups of eight geographically adjacent clusters were block randomized, using a random number generator, into </a:t>
-            </a:r>
-          </a:p>
-          <a:p>
-            <a:pPr lvl="1"/>
-            <a:r>
-              <a:rPr lang="en-US" sz="2200" dirty="0"/>
-              <a:t>six intervention groups (all received weekly visits from a community health promoter for the first 6 months, and every 2 weeks for next 18 months) and </a:t>
-            </a:r>
-          </a:p>
-          <a:p>
-            <a:pPr lvl="1"/>
-            <a:r>
-              <a:rPr lang="en-US" sz="2200" dirty="0"/>
-              <a:t>a double-sized control group (no intervention or health promoter visit).</a:t>
-            </a:r>
-          </a:p>
-        </p:txBody>
-      </p:sp>
-    </p:spTree>
-    <p:extLst>
-      <p:ext uri="{BB962C8B-B14F-4D97-AF65-F5344CB8AC3E}">
-        <p14:creationId xmlns:p14="http://schemas.microsoft.com/office/powerpoint/2010/main" val="472995319"/>
-      </p:ext>
-    </p:extLst>
-  </p:cSld>
-  <p:clrMapOvr>
-    <a:masterClrMapping/>
-  </p:clrMapOvr>
-</p:sld>
-</file>
-
-<file path=ppt/slides/slide42.xml><?xml version="1.0" encoding="utf-8"?>
-<p:sld xmlns:a="http://schemas.openxmlformats.org/drawingml/2006/main" xmlns:r="http://schemas.openxmlformats.org/officeDocument/2006/relationships" xmlns:p="http://schemas.openxmlformats.org/presentationml/2006/main">
-  <p:cSld>
-    <p:spTree>
-      <p:nvGrpSpPr>
-        <p:cNvPr id="1" name=""/>
-        <p:cNvGrpSpPr/>
-        <p:nvPr/>
-      </p:nvGrpSpPr>
-      <p:grpSpPr>
-        <a:xfrm>
-          <a:off x="0" y="0"/>
-          <a:ext cx="0" cy="0"/>
-          <a:chOff x="0" y="0"/>
-          <a:chExt cx="0" cy="0"/>
-        </a:xfrm>
-      </p:grpSpPr>
-      <p:sp>
-        <p:nvSpPr>
-          <p:cNvPr id="2" name="Title 1">
-            <a:extLst>
-              <a:ext uri="{FF2B5EF4-FFF2-40B4-BE49-F238E27FC236}">
-                <a16:creationId xmlns:a16="http://schemas.microsoft.com/office/drawing/2014/main" id="{8E89AF3E-0F46-BBC6-2C67-F00B94DD9D1C}"/>
-              </a:ext>
-            </a:extLst>
-          </p:cNvPr>
-          <p:cNvSpPr>
-            <a:spLocks noGrp="1"/>
-          </p:cNvSpPr>
-          <p:nvPr>
-            <p:ph type="title"/>
-          </p:nvPr>
-        </p:nvSpPr>
-        <p:spPr>
-          <a:xfrm>
-            <a:off x="431800" y="235879"/>
-            <a:ext cx="7766050" cy="1150353"/>
-          </a:xfrm>
-        </p:spPr>
-        <p:txBody>
-          <a:bodyPr>
-            <a:normAutofit fontScale="90000"/>
-          </a:bodyPr>
-          <a:lstStyle/>
-          <a:p>
-            <a:r>
-              <a:rPr lang="en-US" dirty="0"/>
-              <a:t>WASH Benefits Bangladesh Example Dataset</a:t>
-            </a:r>
-          </a:p>
-        </p:txBody>
-      </p:sp>
-      <p:sp>
-        <p:nvSpPr>
-          <p:cNvPr id="3" name="Content Placeholder 2">
-            <a:extLst>
-              <a:ext uri="{FF2B5EF4-FFF2-40B4-BE49-F238E27FC236}">
-                <a16:creationId xmlns:a16="http://schemas.microsoft.com/office/drawing/2014/main" id="{A1530CB0-0854-7228-8CD2-12EB5FBB3DDA}"/>
-              </a:ext>
-            </a:extLst>
-          </p:cNvPr>
-          <p:cNvSpPr>
-            <a:spLocks noGrp="1"/>
-          </p:cNvSpPr>
-          <p:nvPr>
-            <p:ph idx="1"/>
-          </p:nvPr>
-        </p:nvSpPr>
-        <p:spPr>
-          <a:xfrm>
             <a:off x="457200" y="1644924"/>
             <a:ext cx="7740650" cy="3933912"/>
           </a:xfrm>
@@ -14359,7 +14194,7 @@
 </p:sld>
 </file>
 
-<file path=ppt/slides/slide43.xml><?xml version="1.0" encoding="utf-8"?>
+<file path=ppt/slides/slide42.xml><?xml version="1.0" encoding="utf-8"?>
 <p:sld xmlns:a="http://schemas.openxmlformats.org/drawingml/2006/main" xmlns:r="http://schemas.openxmlformats.org/officeDocument/2006/relationships" xmlns:p="http://schemas.openxmlformats.org/presentationml/2006/main">
   <p:cSld>
     <p:spTree>
